--- a/Инструкция по созданию своей нейросети.pptx
+++ b/Инструкция по созданию своей нейросети.pptx
@@ -307,6 +307,7 @@
           <a:p>
             <a:fld id="{915DFC5A-0BA3-48DF-8776-7D62A734E1D0}" type="datetimeFigureOut">
               <a:rPr lang="ru-RU" smtClean="0"/>
+              <a:pPr/>
               <a:t>04.02.2026</a:t>
             </a:fld>
             <a:endParaRPr lang="ru-RU"/>
@@ -349,6 +350,7 @@
           <a:p>
             <a:fld id="{F0468F41-30E0-47E1-8C51-F1B5D1DE02E3}" type="slidenum">
               <a:rPr lang="ru-RU" smtClean="0"/>
+              <a:pPr/>
               <a:t>‹#›</a:t>
             </a:fld>
             <a:endParaRPr lang="ru-RU"/>
@@ -472,6 +474,7 @@
           <a:p>
             <a:fld id="{915DFC5A-0BA3-48DF-8776-7D62A734E1D0}" type="datetimeFigureOut">
               <a:rPr lang="ru-RU" smtClean="0"/>
+              <a:pPr/>
               <a:t>04.02.2026</a:t>
             </a:fld>
             <a:endParaRPr lang="ru-RU"/>
@@ -514,6 +517,7 @@
           <a:p>
             <a:fld id="{F0468F41-30E0-47E1-8C51-F1B5D1DE02E3}" type="slidenum">
               <a:rPr lang="ru-RU" smtClean="0"/>
+              <a:pPr/>
               <a:t>‹#›</a:t>
             </a:fld>
             <a:endParaRPr lang="ru-RU"/>
@@ -647,6 +651,7 @@
           <a:p>
             <a:fld id="{915DFC5A-0BA3-48DF-8776-7D62A734E1D0}" type="datetimeFigureOut">
               <a:rPr lang="ru-RU" smtClean="0"/>
+              <a:pPr/>
               <a:t>04.02.2026</a:t>
             </a:fld>
             <a:endParaRPr lang="ru-RU"/>
@@ -689,6 +694,7 @@
           <a:p>
             <a:fld id="{F0468F41-30E0-47E1-8C51-F1B5D1DE02E3}" type="slidenum">
               <a:rPr lang="ru-RU" smtClean="0"/>
+              <a:pPr/>
               <a:t>‹#›</a:t>
             </a:fld>
             <a:endParaRPr lang="ru-RU"/>
@@ -812,6 +818,7 @@
           <a:p>
             <a:fld id="{915DFC5A-0BA3-48DF-8776-7D62A734E1D0}" type="datetimeFigureOut">
               <a:rPr lang="ru-RU" smtClean="0"/>
+              <a:pPr/>
               <a:t>04.02.2026</a:t>
             </a:fld>
             <a:endParaRPr lang="ru-RU"/>
@@ -854,6 +861,7 @@
           <a:p>
             <a:fld id="{F0468F41-30E0-47E1-8C51-F1B5D1DE02E3}" type="slidenum">
               <a:rPr lang="ru-RU" smtClean="0"/>
+              <a:pPr/>
               <a:t>‹#›</a:t>
             </a:fld>
             <a:endParaRPr lang="ru-RU"/>
@@ -1053,6 +1061,7 @@
           <a:p>
             <a:fld id="{915DFC5A-0BA3-48DF-8776-7D62A734E1D0}" type="datetimeFigureOut">
               <a:rPr lang="ru-RU" smtClean="0"/>
+              <a:pPr/>
               <a:t>04.02.2026</a:t>
             </a:fld>
             <a:endParaRPr lang="ru-RU"/>
@@ -1095,6 +1104,7 @@
           <a:p>
             <a:fld id="{F0468F41-30E0-47E1-8C51-F1B5D1DE02E3}" type="slidenum">
               <a:rPr lang="ru-RU" smtClean="0"/>
+              <a:pPr/>
               <a:t>‹#›</a:t>
             </a:fld>
             <a:endParaRPr lang="ru-RU"/>
@@ -1336,6 +1346,7 @@
           <a:p>
             <a:fld id="{915DFC5A-0BA3-48DF-8776-7D62A734E1D0}" type="datetimeFigureOut">
               <a:rPr lang="ru-RU" smtClean="0"/>
+              <a:pPr/>
               <a:t>04.02.2026</a:t>
             </a:fld>
             <a:endParaRPr lang="ru-RU"/>
@@ -1378,6 +1389,7 @@
           <a:p>
             <a:fld id="{F0468F41-30E0-47E1-8C51-F1B5D1DE02E3}" type="slidenum">
               <a:rPr lang="ru-RU" smtClean="0"/>
+              <a:pPr/>
               <a:t>‹#›</a:t>
             </a:fld>
             <a:endParaRPr lang="ru-RU"/>
@@ -1753,6 +1765,7 @@
           <a:p>
             <a:fld id="{915DFC5A-0BA3-48DF-8776-7D62A734E1D0}" type="datetimeFigureOut">
               <a:rPr lang="ru-RU" smtClean="0"/>
+              <a:pPr/>
               <a:t>04.02.2026</a:t>
             </a:fld>
             <a:endParaRPr lang="ru-RU"/>
@@ -1795,6 +1808,7 @@
           <a:p>
             <a:fld id="{F0468F41-30E0-47E1-8C51-F1B5D1DE02E3}" type="slidenum">
               <a:rPr lang="ru-RU" smtClean="0"/>
+              <a:pPr/>
               <a:t>‹#›</a:t>
             </a:fld>
             <a:endParaRPr lang="ru-RU"/>
@@ -1866,6 +1880,7 @@
           <a:p>
             <a:fld id="{915DFC5A-0BA3-48DF-8776-7D62A734E1D0}" type="datetimeFigureOut">
               <a:rPr lang="ru-RU" smtClean="0"/>
+              <a:pPr/>
               <a:t>04.02.2026</a:t>
             </a:fld>
             <a:endParaRPr lang="ru-RU"/>
@@ -1908,6 +1923,7 @@
           <a:p>
             <a:fld id="{F0468F41-30E0-47E1-8C51-F1B5D1DE02E3}" type="slidenum">
               <a:rPr lang="ru-RU" smtClean="0"/>
+              <a:pPr/>
               <a:t>‹#›</a:t>
             </a:fld>
             <a:endParaRPr lang="ru-RU"/>
@@ -1956,6 +1972,7 @@
           <a:p>
             <a:fld id="{915DFC5A-0BA3-48DF-8776-7D62A734E1D0}" type="datetimeFigureOut">
               <a:rPr lang="ru-RU" smtClean="0"/>
+              <a:pPr/>
               <a:t>04.02.2026</a:t>
             </a:fld>
             <a:endParaRPr lang="ru-RU"/>
@@ -1998,6 +2015,7 @@
           <a:p>
             <a:fld id="{F0468F41-30E0-47E1-8C51-F1B5D1DE02E3}" type="slidenum">
               <a:rPr lang="ru-RU" smtClean="0"/>
+              <a:pPr/>
               <a:t>‹#›</a:t>
             </a:fld>
             <a:endParaRPr lang="ru-RU"/>
@@ -2228,6 +2246,7 @@
           <a:p>
             <a:fld id="{915DFC5A-0BA3-48DF-8776-7D62A734E1D0}" type="datetimeFigureOut">
               <a:rPr lang="ru-RU" smtClean="0"/>
+              <a:pPr/>
               <a:t>04.02.2026</a:t>
             </a:fld>
             <a:endParaRPr lang="ru-RU"/>
@@ -2270,6 +2289,7 @@
           <a:p>
             <a:fld id="{F0468F41-30E0-47E1-8C51-F1B5D1DE02E3}" type="slidenum">
               <a:rPr lang="ru-RU" smtClean="0"/>
+              <a:pPr/>
               <a:t>‹#›</a:t>
             </a:fld>
             <a:endParaRPr lang="ru-RU"/>
@@ -2476,6 +2496,7 @@
           <a:p>
             <a:fld id="{915DFC5A-0BA3-48DF-8776-7D62A734E1D0}" type="datetimeFigureOut">
               <a:rPr lang="ru-RU" smtClean="0"/>
+              <a:pPr/>
               <a:t>04.02.2026</a:t>
             </a:fld>
             <a:endParaRPr lang="ru-RU"/>
@@ -2518,6 +2539,7 @@
           <a:p>
             <a:fld id="{F0468F41-30E0-47E1-8C51-F1B5D1DE02E3}" type="slidenum">
               <a:rPr lang="ru-RU" smtClean="0"/>
+              <a:pPr/>
               <a:t>‹#›</a:t>
             </a:fld>
             <a:endParaRPr lang="ru-RU"/>
@@ -2684,6 +2706,7 @@
           <a:p>
             <a:fld id="{915DFC5A-0BA3-48DF-8776-7D62A734E1D0}" type="datetimeFigureOut">
               <a:rPr lang="ru-RU" smtClean="0"/>
+              <a:pPr/>
               <a:t>04.02.2026</a:t>
             </a:fld>
             <a:endParaRPr lang="ru-RU"/>
@@ -2762,6 +2785,7 @@
           <a:p>
             <a:fld id="{F0468F41-30E0-47E1-8C51-F1B5D1DE02E3}" type="slidenum">
               <a:rPr lang="ru-RU" smtClean="0"/>
+              <a:pPr/>
               <a:t>‹#›</a:t>
             </a:fld>
             <a:endParaRPr lang="ru-RU"/>
@@ -3076,11 +3100,7 @@
           <a:p>
             <a:r>
               <a:rPr lang="ru-RU" dirty="0" smtClean="0"/>
-              <a:t>Инструкция по </a:t>
-            </a:r>
-            <a:r>
-              <a:rPr lang="ru-RU" dirty="0" smtClean="0"/>
-              <a:t>созданию своей </a:t>
+              <a:t>Инструкция по созданию своей </a:t>
             </a:r>
             <a:r>
               <a:rPr lang="ru-RU" dirty="0" err="1" smtClean="0"/>
@@ -7720,11 +7740,7 @@
             </a:r>
             <a:r>
               <a:rPr lang="ru-RU" sz="1600" dirty="0" smtClean="0"/>
-              <a:t>сразу </a:t>
-            </a:r>
-            <a:r>
-              <a:rPr lang="ru-RU" sz="1600" dirty="0" smtClean="0"/>
-              <a:t>преобразует  в примитивный тип (</a:t>
+              <a:t>сразу преобразует  в примитивный тип (</a:t>
             </a:r>
             <a:r>
               <a:rPr lang="en-US" sz="1600" dirty="0" err="1" smtClean="0"/>
@@ -8571,11 +8587,7 @@
           <a:p>
             <a:r>
               <a:rPr lang="ru-RU" sz="4000" dirty="0" smtClean="0"/>
-              <a:t>Шаг 0 – </a:t>
-            </a:r>
-            <a:r>
-              <a:rPr lang="ru-RU" sz="4000" dirty="0" smtClean="0"/>
-              <a:t>собрать данные (фотографии)</a:t>
+              <a:t>Шаг 0 – собрать данные (фотографии)</a:t>
             </a:r>
             <a:endParaRPr lang="ru-RU" sz="4000" dirty="0"/>
           </a:p>
@@ -9016,6 +9028,39 @@
           </a:p>
         </p:txBody>
       </p:sp>
+      <p:pic>
+        <p:nvPicPr>
+          <p:cNvPr id="1026" name="Picture 2"/>
+          <p:cNvPicPr>
+            <a:picLocks noChangeAspect="1" noChangeArrowheads="1"/>
+          </p:cNvPicPr>
+          <p:nvPr/>
+        </p:nvPicPr>
+        <p:blipFill>
+          <a:blip r:embed="rId3"/>
+          <a:srcRect/>
+          <a:stretch>
+            <a:fillRect/>
+          </a:stretch>
+        </p:blipFill>
+        <p:spPr bwMode="auto">
+          <a:xfrm>
+            <a:off x="6000760" y="1928802"/>
+            <a:ext cx="1519235" cy="523874"/>
+          </a:xfrm>
+          <a:prstGeom prst="rect">
+            <a:avLst/>
+          </a:prstGeom>
+          <a:noFill/>
+          <a:ln w="9525">
+            <a:noFill/>
+            <a:miter lim="800000"/>
+            <a:headEnd/>
+            <a:tailEnd/>
+          </a:ln>
+          <a:effectLst/>
+        </p:spPr>
+      </p:pic>
     </p:spTree>
   </p:cSld>
   <p:clrMapOvr>
@@ -9625,11 +9670,7 @@
             </a:r>
             <a:r>
               <a:rPr lang="en-US" dirty="0" smtClean="0"/>
-              <a:t>a</a:t>
-            </a:r>
-            <a:r>
-              <a:rPr lang="en-US" dirty="0" smtClean="0"/>
-              <a:t>nnotation </a:t>
+              <a:t>annotation </a:t>
             </a:r>
             <a:r>
               <a:rPr lang="en-US" dirty="0"/>

--- a/Инструкция по созданию своей нейросети.pptx
+++ b/Инструкция по созданию своей нейросети.pptx
@@ -19,12 +19,11 @@
     <p:sldId id="269" r:id="rId13"/>
     <p:sldId id="270" r:id="rId14"/>
     <p:sldId id="271" r:id="rId15"/>
-    <p:sldId id="272" r:id="rId16"/>
-    <p:sldId id="273" r:id="rId17"/>
-    <p:sldId id="274" r:id="rId18"/>
-    <p:sldId id="275" r:id="rId19"/>
-    <p:sldId id="276" r:id="rId20"/>
-    <p:sldId id="277" r:id="rId21"/>
+    <p:sldId id="273" r:id="rId16"/>
+    <p:sldId id="274" r:id="rId17"/>
+    <p:sldId id="275" r:id="rId18"/>
+    <p:sldId id="276" r:id="rId19"/>
+    <p:sldId id="277" r:id="rId20"/>
   </p:sldIdLst>
   <p:sldSz cx="9144000" cy="6858000" type="screen4x3"/>
   <p:notesSz cx="6858000" cy="9144000"/>
@@ -308,7 +307,7 @@
             <a:fld id="{915DFC5A-0BA3-48DF-8776-7D62A734E1D0}" type="datetimeFigureOut">
               <a:rPr lang="ru-RU" smtClean="0"/>
               <a:pPr/>
-              <a:t>04.02.2026</a:t>
+              <a:t>06.02.2026</a:t>
             </a:fld>
             <a:endParaRPr lang="ru-RU"/>
           </a:p>
@@ -475,7 +474,7 @@
             <a:fld id="{915DFC5A-0BA3-48DF-8776-7D62A734E1D0}" type="datetimeFigureOut">
               <a:rPr lang="ru-RU" smtClean="0"/>
               <a:pPr/>
-              <a:t>04.02.2026</a:t>
+              <a:t>06.02.2026</a:t>
             </a:fld>
             <a:endParaRPr lang="ru-RU"/>
           </a:p>
@@ -652,7 +651,7 @@
             <a:fld id="{915DFC5A-0BA3-48DF-8776-7D62A734E1D0}" type="datetimeFigureOut">
               <a:rPr lang="ru-RU" smtClean="0"/>
               <a:pPr/>
-              <a:t>04.02.2026</a:t>
+              <a:t>06.02.2026</a:t>
             </a:fld>
             <a:endParaRPr lang="ru-RU"/>
           </a:p>
@@ -819,7 +818,7 @@
             <a:fld id="{915DFC5A-0BA3-48DF-8776-7D62A734E1D0}" type="datetimeFigureOut">
               <a:rPr lang="ru-RU" smtClean="0"/>
               <a:pPr/>
-              <a:t>04.02.2026</a:t>
+              <a:t>06.02.2026</a:t>
             </a:fld>
             <a:endParaRPr lang="ru-RU"/>
           </a:p>
@@ -1062,7 +1061,7 @@
             <a:fld id="{915DFC5A-0BA3-48DF-8776-7D62A734E1D0}" type="datetimeFigureOut">
               <a:rPr lang="ru-RU" smtClean="0"/>
               <a:pPr/>
-              <a:t>04.02.2026</a:t>
+              <a:t>06.02.2026</a:t>
             </a:fld>
             <a:endParaRPr lang="ru-RU"/>
           </a:p>
@@ -1347,7 +1346,7 @@
             <a:fld id="{915DFC5A-0BA3-48DF-8776-7D62A734E1D0}" type="datetimeFigureOut">
               <a:rPr lang="ru-RU" smtClean="0"/>
               <a:pPr/>
-              <a:t>04.02.2026</a:t>
+              <a:t>06.02.2026</a:t>
             </a:fld>
             <a:endParaRPr lang="ru-RU"/>
           </a:p>
@@ -1766,7 +1765,7 @@
             <a:fld id="{915DFC5A-0BA3-48DF-8776-7D62A734E1D0}" type="datetimeFigureOut">
               <a:rPr lang="ru-RU" smtClean="0"/>
               <a:pPr/>
-              <a:t>04.02.2026</a:t>
+              <a:t>06.02.2026</a:t>
             </a:fld>
             <a:endParaRPr lang="ru-RU"/>
           </a:p>
@@ -1881,7 +1880,7 @@
             <a:fld id="{915DFC5A-0BA3-48DF-8776-7D62A734E1D0}" type="datetimeFigureOut">
               <a:rPr lang="ru-RU" smtClean="0"/>
               <a:pPr/>
-              <a:t>04.02.2026</a:t>
+              <a:t>06.02.2026</a:t>
             </a:fld>
             <a:endParaRPr lang="ru-RU"/>
           </a:p>
@@ -1973,7 +1972,7 @@
             <a:fld id="{915DFC5A-0BA3-48DF-8776-7D62A734E1D0}" type="datetimeFigureOut">
               <a:rPr lang="ru-RU" smtClean="0"/>
               <a:pPr/>
-              <a:t>04.02.2026</a:t>
+              <a:t>06.02.2026</a:t>
             </a:fld>
             <a:endParaRPr lang="ru-RU"/>
           </a:p>
@@ -2247,7 +2246,7 @@
             <a:fld id="{915DFC5A-0BA3-48DF-8776-7D62A734E1D0}" type="datetimeFigureOut">
               <a:rPr lang="ru-RU" smtClean="0"/>
               <a:pPr/>
-              <a:t>04.02.2026</a:t>
+              <a:t>06.02.2026</a:t>
             </a:fld>
             <a:endParaRPr lang="ru-RU"/>
           </a:p>
@@ -2497,7 +2496,7 @@
             <a:fld id="{915DFC5A-0BA3-48DF-8776-7D62A734E1D0}" type="datetimeFigureOut">
               <a:rPr lang="ru-RU" smtClean="0"/>
               <a:pPr/>
-              <a:t>04.02.2026</a:t>
+              <a:t>06.02.2026</a:t>
             </a:fld>
             <a:endParaRPr lang="ru-RU"/>
           </a:p>
@@ -2707,7 +2706,7 @@
             <a:fld id="{915DFC5A-0BA3-48DF-8776-7D62A734E1D0}" type="datetimeFigureOut">
               <a:rPr lang="ru-RU" smtClean="0"/>
               <a:pPr/>
-              <a:t>04.02.2026</a:t>
+              <a:t>06.02.2026</a:t>
             </a:fld>
             <a:endParaRPr lang="ru-RU"/>
           </a:p>
@@ -6491,32 +6490,7 @@
                 <a:ea typeface="+mj-ea"/>
                 <a:cs typeface="+mj-cs"/>
               </a:rPr>
-              <a:t>Шаг 2.</a:t>
-            </a:r>
-            <a:r>
-              <a:rPr lang="ru-RU" sz="3600" dirty="0">
-                <a:latin typeface="+mj-lt"/>
-                <a:ea typeface="+mj-ea"/>
-                <a:cs typeface="+mj-cs"/>
-              </a:rPr>
-              <a:t>3</a:t>
-            </a:r>
-            <a:r>
-              <a:rPr kumimoji="0" lang="ru-RU" sz="3600" b="0" i="0" u="none" strike="noStrike" kern="1200" cap="none" spc="0" normalizeH="0" baseline="0" noProof="0" dirty="0" smtClean="0">
-                <a:ln>
-                  <a:noFill/>
-                </a:ln>
-                <a:solidFill>
-                  <a:schemeClr val="tx1"/>
-                </a:solidFill>
-                <a:effectLst/>
-                <a:uLnTx/>
-                <a:uFillTx/>
-                <a:latin typeface="+mj-lt"/>
-                <a:ea typeface="+mj-ea"/>
-                <a:cs typeface="+mj-cs"/>
-              </a:rPr>
-              <a:t> – </a:t>
+              <a:t>Шаг 2.4 – </a:t>
             </a:r>
             <a:r>
               <a:rPr lang="en-US" sz="3600" dirty="0">
@@ -6532,7 +6506,7 @@
                 <a:ea typeface="+mj-ea"/>
                 <a:cs typeface="+mj-cs"/>
               </a:rPr>
-              <a:t>обучение</a:t>
+              <a:t>получение результатов</a:t>
             </a:r>
             <a:endParaRPr kumimoji="0" lang="ru-RU" sz="3600" b="0" i="0" u="none" strike="noStrike" kern="1200" cap="none" spc="0" normalizeH="0" baseline="0" noProof="0" dirty="0">
               <a:ln>
@@ -6553,14 +6527,14 @@
       </p:sp>
       <p:sp>
         <p:nvSpPr>
-          <p:cNvPr id="9" name="TextBox 8"/>
+          <p:cNvPr id="6" name="TextBox 5"/>
           <p:cNvSpPr txBox="1"/>
           <p:nvPr/>
         </p:nvSpPr>
         <p:spPr>
           <a:xfrm>
-            <a:off x="1214414" y="1782537"/>
-            <a:ext cx="6286544" cy="369332"/>
+            <a:off x="1214414" y="1785926"/>
+            <a:ext cx="6429420" cy="646331"/>
           </a:xfrm>
           <a:prstGeom prst="rect">
             <a:avLst/>
@@ -6575,7 +6549,18 @@
           <a:p>
             <a:r>
               <a:rPr lang="ru-RU" dirty="0" smtClean="0"/>
-              <a:t>далее просто ожидаем. это может занять до нескольких часов </a:t>
+              <a:t>после этого где-то на дне файловой системы будет файл </a:t>
+            </a:r>
+            <a:r>
+              <a:rPr lang="en-US" dirty="0" smtClean="0"/>
+              <a:t>best.pt </a:t>
+            </a:r>
+            <a:endParaRPr lang="ru-RU" dirty="0" smtClean="0"/>
+          </a:p>
+          <a:p>
+            <a:r>
+              <a:rPr lang="ru-RU" dirty="0" smtClean="0"/>
+              <a:t>это как раз то, что нужно</a:t>
             </a:r>
             <a:endParaRPr lang="en-US" dirty="0"/>
           </a:p>
@@ -6583,7 +6568,7 @@
       </p:sp>
       <p:pic>
         <p:nvPicPr>
-          <p:cNvPr id="14338" name="Picture 2"/>
+          <p:cNvPr id="15363" name="Picture 3"/>
           <p:cNvPicPr>
             <a:picLocks noChangeAspect="1" noChangeArrowheads="1"/>
           </p:cNvPicPr>
@@ -6598,8 +6583,71 @@
         </p:blipFill>
         <p:spPr bwMode="auto">
           <a:xfrm>
-            <a:off x="1285852" y="2214554"/>
-            <a:ext cx="5929354" cy="1634333"/>
+            <a:off x="2928926" y="2428868"/>
+            <a:ext cx="2847975" cy="1933575"/>
+          </a:xfrm>
+          <a:prstGeom prst="rect">
+            <a:avLst/>
+          </a:prstGeom>
+          <a:noFill/>
+          <a:ln w="9525">
+            <a:noFill/>
+            <a:miter lim="800000"/>
+            <a:headEnd/>
+            <a:tailEnd/>
+          </a:ln>
+          <a:effectLst/>
+        </p:spPr>
+      </p:pic>
+      <p:sp>
+        <p:nvSpPr>
+          <p:cNvPr id="10" name="TextBox 9"/>
+          <p:cNvSpPr txBox="1"/>
+          <p:nvPr/>
+        </p:nvSpPr>
+        <p:spPr>
+          <a:xfrm>
+            <a:off x="1214414" y="4425743"/>
+            <a:ext cx="6429420" cy="369332"/>
+          </a:xfrm>
+          <a:prstGeom prst="rect">
+            <a:avLst/>
+          </a:prstGeom>
+          <a:noFill/>
+        </p:spPr>
+        <p:txBody>
+          <a:bodyPr wrap="square" rtlCol="0">
+            <a:spAutoFit/>
+          </a:bodyPr>
+          <a:lstStyle/>
+          <a:p>
+            <a:r>
+              <a:rPr lang="ru-RU" dirty="0" smtClean="0"/>
+              <a:t>дальше его можно использовать в любой питон программе</a:t>
+            </a:r>
+            <a:endParaRPr lang="en-US" dirty="0"/>
+          </a:p>
+        </p:txBody>
+      </p:sp>
+      <p:pic>
+        <p:nvPicPr>
+          <p:cNvPr id="15364" name="Picture 4"/>
+          <p:cNvPicPr>
+            <a:picLocks noChangeAspect="1" noChangeArrowheads="1"/>
+          </p:cNvPicPr>
+          <p:nvPr/>
+        </p:nvPicPr>
+        <p:blipFill>
+          <a:blip r:embed="rId3"/>
+          <a:srcRect/>
+          <a:stretch>
+            <a:fillRect/>
+          </a:stretch>
+        </p:blipFill>
+        <p:spPr bwMode="auto">
+          <a:xfrm>
+            <a:off x="2857488" y="4929198"/>
+            <a:ext cx="2990850" cy="809625"/>
           </a:xfrm>
           <a:prstGeom prst="rect">
             <a:avLst/>
@@ -6649,7 +6697,7 @@
         </p:nvSpPr>
         <p:spPr>
           <a:xfrm>
-            <a:off x="-214346" y="-112727"/>
+            <a:off x="-214346" y="125020"/>
             <a:ext cx="9429816" cy="1470025"/>
           </a:xfrm>
           <a:prstGeom prst="rect">
@@ -6697,7 +6745,15 @@
               <a:t>Шаг </a:t>
             </a:r>
             <a:r>
-              <a:rPr kumimoji="0" lang="en-US" sz="4000" b="0" i="0" u="none" strike="noStrike" kern="1200" cap="none" spc="0" normalizeH="0" baseline="0" noProof="0" dirty="0" smtClean="0">
+              <a:rPr lang="ru-RU" sz="4000" dirty="0">
+                <a:latin typeface="+mj-lt"/>
+                <a:ea typeface="+mj-ea"/>
+                <a:cs typeface="+mj-cs"/>
+              </a:rPr>
+              <a:t>3</a:t>
+            </a:r>
+            <a:r>
+              <a:rPr kumimoji="0" lang="ru-RU" sz="4000" b="0" i="0" u="none" strike="noStrike" kern="1200" cap="none" spc="0" normalizeH="0" baseline="0" noProof="0" dirty="0" smtClean="0">
                 <a:ln>
                   <a:noFill/>
                 </a:ln>
@@ -6711,10 +6767,10 @@
                 <a:ea typeface="+mj-ea"/>
                 <a:cs typeface="+mj-cs"/>
               </a:rPr>
-              <a:t>2</a:t>
-            </a:r>
-            <a:r>
-              <a:rPr kumimoji="0" lang="ru-RU" sz="4000" b="0" i="0" u="none" strike="noStrike" kern="1200" cap="none" spc="0" normalizeH="0" baseline="0" noProof="0" dirty="0" smtClean="0">
+              <a:t> – использование </a:t>
+            </a:r>
+            <a:r>
+              <a:rPr kumimoji="0" lang="ru-RU" sz="4000" b="0" i="0" u="none" strike="noStrike" kern="1200" cap="none" spc="0" normalizeH="0" baseline="0" noProof="0" dirty="0" err="1" smtClean="0">
                 <a:ln>
                   <a:noFill/>
                 </a:ln>
@@ -6728,24 +6784,7 @@
                 <a:ea typeface="+mj-ea"/>
                 <a:cs typeface="+mj-cs"/>
               </a:rPr>
-              <a:t> – обучить </a:t>
-            </a:r>
-            <a:r>
-              <a:rPr kumimoji="0" lang="ru-RU" sz="4000" b="0" i="0" u="none" strike="noStrike" kern="1200" cap="none" spc="0" normalizeH="0" baseline="0" noProof="0" dirty="0" err="1" smtClean="0">
-                <a:ln>
-                  <a:noFill/>
-                </a:ln>
-                <a:solidFill>
-                  <a:schemeClr val="tx1"/>
-                </a:solidFill>
-                <a:effectLst/>
-                <a:uLnTx/>
-                <a:uFillTx/>
-                <a:latin typeface="+mj-lt"/>
-                <a:ea typeface="+mj-ea"/>
-                <a:cs typeface="+mj-cs"/>
-              </a:rPr>
-              <a:t>нейросеть</a:t>
+              <a:t>нейросети</a:t>
             </a:r>
             <a:endParaRPr kumimoji="0" lang="ru-RU" sz="4000" b="0" i="0" u="none" strike="noStrike" kern="1200" cap="none" spc="0" normalizeH="0" baseline="0" noProof="0" dirty="0">
               <a:ln>
@@ -6766,104 +6805,14 @@
       </p:sp>
       <p:sp>
         <p:nvSpPr>
-          <p:cNvPr id="5" name="Заголовок 1"/>
-          <p:cNvSpPr txBox="1">
-            <a:spLocks/>
-          </p:cNvSpPr>
+          <p:cNvPr id="10" name="TextBox 9"/>
+          <p:cNvSpPr txBox="1"/>
           <p:nvPr/>
         </p:nvSpPr>
         <p:spPr>
           <a:xfrm>
-            <a:off x="-214346" y="571480"/>
-            <a:ext cx="9429816" cy="1470025"/>
-          </a:xfrm>
-          <a:prstGeom prst="rect">
-            <a:avLst/>
-          </a:prstGeom>
-        </p:spPr>
-        <p:txBody>
-          <a:bodyPr vert="horz" lIns="91440" tIns="45720" rIns="91440" bIns="45720" rtlCol="0" anchor="ctr">
-            <a:normAutofit/>
-          </a:bodyPr>
-          <a:lstStyle/>
-          <a:p>
-            <a:pPr marL="0" marR="0" lvl="0" indent="0" algn="ctr" defTabSz="914400" rtl="0" eaLnBrk="1" fontAlgn="auto" latinLnBrk="0" hangingPunct="1">
-              <a:lnSpc>
-                <a:spcPct val="100000"/>
-              </a:lnSpc>
-              <a:spcBef>
-                <a:spcPct val="0"/>
-              </a:spcBef>
-              <a:spcAft>
-                <a:spcPts val="0"/>
-              </a:spcAft>
-              <a:buClrTx/>
-              <a:buSzTx/>
-              <a:buFontTx/>
-              <a:buNone/>
-              <a:tabLst/>
-              <a:defRPr/>
-            </a:pPr>
-            <a:r>
-              <a:rPr kumimoji="0" lang="ru-RU" sz="3600" b="0" i="0" u="none" strike="noStrike" kern="1200" cap="none" spc="0" normalizeH="0" baseline="0" noProof="0" dirty="0" smtClean="0">
-                <a:ln>
-                  <a:noFill/>
-                </a:ln>
-                <a:solidFill>
-                  <a:schemeClr val="tx1"/>
-                </a:solidFill>
-                <a:effectLst/>
-                <a:uLnTx/>
-                <a:uFillTx/>
-                <a:latin typeface="+mj-lt"/>
-                <a:ea typeface="+mj-ea"/>
-                <a:cs typeface="+mj-cs"/>
-              </a:rPr>
-              <a:t>Шаг 2.4 – </a:t>
-            </a:r>
-            <a:r>
-              <a:rPr lang="en-US" sz="3600" dirty="0">
-                <a:latin typeface="+mj-lt"/>
-                <a:ea typeface="+mj-ea"/>
-                <a:cs typeface="+mj-cs"/>
-              </a:rPr>
-              <a:t> </a:t>
-            </a:r>
-            <a:r>
-              <a:rPr lang="ru-RU" sz="3600" dirty="0" smtClean="0">
-                <a:latin typeface="+mj-lt"/>
-                <a:ea typeface="+mj-ea"/>
-                <a:cs typeface="+mj-cs"/>
-              </a:rPr>
-              <a:t>получение результатов</a:t>
-            </a:r>
-            <a:endParaRPr kumimoji="0" lang="ru-RU" sz="3600" b="0" i="0" u="none" strike="noStrike" kern="1200" cap="none" spc="0" normalizeH="0" baseline="0" noProof="0" dirty="0">
-              <a:ln>
-                <a:noFill/>
-              </a:ln>
-              <a:solidFill>
-                <a:schemeClr val="tx1"/>
-              </a:solidFill>
-              <a:effectLst/>
-              <a:uLnTx/>
-              <a:uFillTx/>
-              <a:latin typeface="+mj-lt"/>
-              <a:ea typeface="+mj-ea"/>
-              <a:cs typeface="+mj-cs"/>
-            </a:endParaRPr>
-          </a:p>
-        </p:txBody>
-      </p:sp>
-      <p:sp>
-        <p:nvSpPr>
-          <p:cNvPr id="6" name="TextBox 5"/>
-          <p:cNvSpPr txBox="1"/>
-          <p:nvPr/>
-        </p:nvSpPr>
-        <p:spPr>
-          <a:xfrm>
-            <a:off x="1214414" y="1785926"/>
-            <a:ext cx="6429420" cy="646331"/>
+            <a:off x="428596" y="1285860"/>
+            <a:ext cx="6858048" cy="5339923"/>
           </a:xfrm>
           <a:prstGeom prst="rect">
             <a:avLst/>
@@ -6877,27 +6826,276 @@
           <a:lstStyle/>
           <a:p>
             <a:r>
-              <a:rPr lang="ru-RU" dirty="0" smtClean="0"/>
-              <a:t>после этого где-то на дне файловой системы будет файл </a:t>
-            </a:r>
-            <a:r>
-              <a:rPr lang="en-US" dirty="0" smtClean="0"/>
-              <a:t>best.pt </a:t>
-            </a:r>
-            <a:endParaRPr lang="ru-RU" dirty="0" smtClean="0"/>
-          </a:p>
-          <a:p>
-            <a:r>
-              <a:rPr lang="ru-RU" dirty="0" smtClean="0"/>
-              <a:t>это как раз то, что нужно</a:t>
-            </a:r>
-            <a:endParaRPr lang="en-US" dirty="0"/>
+              <a:rPr lang="ru-RU" sz="1600" dirty="0" err="1" smtClean="0"/>
+              <a:t>нейросеть</a:t>
+            </a:r>
+            <a:r>
+              <a:rPr lang="ru-RU" sz="1600" dirty="0" smtClean="0"/>
+              <a:t> импортируется в программу через библиотеку </a:t>
+            </a:r>
+            <a:r>
+              <a:rPr lang="en-US" sz="1600" dirty="0" err="1" smtClean="0"/>
+              <a:t>ultralytics</a:t>
+            </a:r>
+            <a:endParaRPr lang="ru-RU" sz="1600" dirty="0" smtClean="0"/>
+          </a:p>
+          <a:p>
+            <a:r>
+              <a:rPr lang="ru-RU" sz="1600" dirty="0" smtClean="0"/>
+              <a:t>сначала нужно скачать ее на устройство</a:t>
+            </a:r>
+          </a:p>
+          <a:p>
+            <a:r>
+              <a:rPr lang="en-US" sz="1600" dirty="0" smtClean="0"/>
+              <a:t>pip install </a:t>
+            </a:r>
+            <a:r>
+              <a:rPr lang="en-US" sz="1600" dirty="0" err="1" smtClean="0"/>
+              <a:t>ultralytics</a:t>
+            </a:r>
+            <a:endParaRPr lang="ru-RU" sz="1600" dirty="0" smtClean="0"/>
+          </a:p>
+          <a:p>
+            <a:endParaRPr lang="ru-RU" sz="1600" dirty="0" smtClean="0"/>
+          </a:p>
+          <a:p>
+            <a:r>
+              <a:rPr lang="ru-RU" sz="1600" dirty="0" smtClean="0"/>
+              <a:t>после этого можно импортировать </a:t>
+            </a:r>
+            <a:r>
+              <a:rPr lang="en-US" sz="1600" dirty="0" smtClean="0"/>
+              <a:t>YOLO </a:t>
+            </a:r>
+          </a:p>
+          <a:p>
+            <a:r>
+              <a:rPr lang="en-US" sz="1600" dirty="0" smtClean="0"/>
+              <a:t>from </a:t>
+            </a:r>
+            <a:r>
+              <a:rPr lang="en-US" sz="1600" dirty="0" err="1" smtClean="0"/>
+              <a:t>ultralytics</a:t>
+            </a:r>
+            <a:r>
+              <a:rPr lang="en-US" sz="1600" dirty="0" smtClean="0"/>
+              <a:t> import YOLO</a:t>
+            </a:r>
+          </a:p>
+          <a:p>
+            <a:r>
+              <a:rPr lang="en-US" sz="1600" dirty="0" smtClean="0"/>
+              <a:t> </a:t>
+            </a:r>
+          </a:p>
+          <a:p>
+            <a:r>
+              <a:rPr lang="ru-RU" sz="1600" dirty="0" smtClean="0"/>
+              <a:t>создать экземпляр модели с помощью файла</a:t>
+            </a:r>
+          </a:p>
+          <a:p>
+            <a:r>
+              <a:rPr lang="en-US" sz="1600" dirty="0" smtClean="0"/>
+              <a:t>model = YOLO('best.pt')</a:t>
+            </a:r>
+            <a:endParaRPr lang="ru-RU" sz="1600" dirty="0" smtClean="0"/>
+          </a:p>
+          <a:p>
+            <a:endParaRPr lang="ru-RU" sz="1600" dirty="0" smtClean="0"/>
+          </a:p>
+          <a:p>
+            <a:r>
+              <a:rPr lang="ru-RU" sz="1600" dirty="0" smtClean="0"/>
+              <a:t>после этого дать ей задание в виде изображения и получить результат</a:t>
+            </a:r>
+          </a:p>
+          <a:p>
+            <a:r>
+              <a:rPr lang="en-US" sz="1600" dirty="0" smtClean="0"/>
+              <a:t>results = model('input.jpg')</a:t>
+            </a:r>
+          </a:p>
+          <a:p>
+            <a:endParaRPr lang="ru-RU" sz="1600" dirty="0" smtClean="0"/>
+          </a:p>
+          <a:p>
+            <a:r>
+              <a:rPr lang="ru-RU" sz="1600" dirty="0" smtClean="0"/>
+              <a:t>этот результат можно распаковать разными способами</a:t>
+            </a:r>
+            <a:r>
+              <a:rPr lang="en-US" sz="1600" dirty="0" smtClean="0"/>
+              <a:t>:</a:t>
+            </a:r>
+            <a:endParaRPr lang="ru-RU" sz="1600" dirty="0" smtClean="0"/>
+          </a:p>
+          <a:p>
+            <a:r>
+              <a:rPr lang="en-US" sz="1600" dirty="0" smtClean="0"/>
+              <a:t>results[0].show()</a:t>
+            </a:r>
+            <a:r>
+              <a:rPr lang="ru-RU" sz="1600" dirty="0" smtClean="0"/>
+              <a:t> – сразу откроет файл в редакторе </a:t>
+            </a:r>
+            <a:r>
+              <a:rPr lang="ru-RU" sz="1600" dirty="0" smtClean="0"/>
+              <a:t>изображений</a:t>
+            </a:r>
+          </a:p>
+          <a:p>
+            <a:r>
+              <a:rPr lang="en-US" sz="1600" dirty="0" err="1" smtClean="0"/>
+              <a:t>result.names</a:t>
+            </a:r>
+            <a:r>
+              <a:rPr lang="ru-RU" sz="1600" dirty="0" smtClean="0"/>
+              <a:t> – список имен всех классов</a:t>
+            </a:r>
+            <a:endParaRPr lang="ru-RU" sz="1600" dirty="0" smtClean="0"/>
+          </a:p>
+          <a:p>
+            <a:r>
+              <a:rPr lang="ru-RU" sz="500" dirty="0"/>
+              <a:t> </a:t>
+            </a:r>
+            <a:endParaRPr lang="ru-RU" sz="1600" dirty="0" smtClean="0"/>
+          </a:p>
+          <a:p>
+            <a:r>
+              <a:rPr lang="en-US" sz="1600" dirty="0" smtClean="0"/>
+              <a:t>boxes </a:t>
+            </a:r>
+            <a:r>
+              <a:rPr lang="en-US" sz="1600" dirty="0"/>
+              <a:t>=</a:t>
+            </a:r>
+            <a:r>
+              <a:rPr lang="en-US" sz="1600" dirty="0" smtClean="0"/>
+              <a:t> </a:t>
+            </a:r>
+            <a:r>
+              <a:rPr lang="en-US" sz="1600" dirty="0" err="1" smtClean="0"/>
+              <a:t>result.boxes</a:t>
+            </a:r>
+            <a:r>
+              <a:rPr lang="ru-RU" sz="1600" dirty="0" smtClean="0"/>
+              <a:t> – сохранит боксы в переменную (промежуточный шаг)</a:t>
+            </a:r>
+          </a:p>
+          <a:p>
+            <a:r>
+              <a:rPr lang="en-US" sz="1600" dirty="0" err="1" smtClean="0"/>
+              <a:t>boxes.xyxy</a:t>
+            </a:r>
+            <a:r>
+              <a:rPr lang="ru-RU" sz="1600" dirty="0" smtClean="0"/>
+              <a:t> - координаты </a:t>
+            </a:r>
+            <a:r>
+              <a:rPr lang="ru-RU" sz="1600" dirty="0"/>
+              <a:t>в формате </a:t>
+            </a:r>
+            <a:r>
+              <a:rPr lang="en-US" sz="1600" dirty="0" err="1"/>
+              <a:t>xyxy</a:t>
+            </a:r>
+            <a:endParaRPr lang="ru-RU" sz="1600" dirty="0" smtClean="0"/>
+          </a:p>
+          <a:p>
+            <a:r>
+              <a:rPr lang="en-US" sz="1600" dirty="0" err="1" smtClean="0"/>
+              <a:t>boxes</a:t>
+            </a:r>
+            <a:r>
+              <a:rPr lang="en-US" sz="1600" dirty="0" err="1"/>
+              <a:t>.</a:t>
+            </a:r>
+            <a:r>
+              <a:rPr lang="en-US" sz="1600" dirty="0" err="1" smtClean="0"/>
+              <a:t>xywh</a:t>
+            </a:r>
+            <a:r>
+              <a:rPr lang="en-US" sz="1600" dirty="0" smtClean="0"/>
+              <a:t> </a:t>
+            </a:r>
+            <a:r>
+              <a:rPr lang="ru-RU" sz="1600" dirty="0" smtClean="0"/>
+              <a:t>- координаты </a:t>
+            </a:r>
+            <a:r>
+              <a:rPr lang="ru-RU" sz="1600" dirty="0"/>
+              <a:t>в формате </a:t>
+            </a:r>
+            <a:r>
+              <a:rPr lang="ru-RU" sz="1600" dirty="0" err="1"/>
+              <a:t>xywh</a:t>
+            </a:r>
+            <a:r>
+              <a:rPr lang="ru-RU" sz="1600" dirty="0"/>
+              <a:t> (центр </a:t>
+            </a:r>
+            <a:r>
+              <a:rPr lang="ru-RU" sz="1600" dirty="0" err="1"/>
+              <a:t>x</a:t>
+            </a:r>
+            <a:r>
+              <a:rPr lang="ru-RU" sz="1600" dirty="0"/>
+              <a:t>, </a:t>
+            </a:r>
+            <a:r>
+              <a:rPr lang="ru-RU" sz="1600" dirty="0" err="1"/>
+              <a:t>центр</a:t>
+            </a:r>
+            <a:r>
+              <a:rPr lang="ru-RU" sz="1600" dirty="0"/>
+              <a:t> </a:t>
+            </a:r>
+            <a:r>
+              <a:rPr lang="ru-RU" sz="1600" dirty="0" err="1"/>
+              <a:t>y</a:t>
+            </a:r>
+            <a:r>
+              <a:rPr lang="ru-RU" sz="1600" dirty="0"/>
+              <a:t>, ширина, высота</a:t>
+            </a:r>
+            <a:r>
+              <a:rPr lang="ru-RU" sz="1600" dirty="0" smtClean="0"/>
+              <a:t>)</a:t>
+            </a:r>
+          </a:p>
+          <a:p>
+            <a:r>
+              <a:rPr lang="en-US" sz="1600" dirty="0" err="1" smtClean="0"/>
+              <a:t>boxes.conf</a:t>
+            </a:r>
+            <a:r>
+              <a:rPr lang="ru-RU" sz="1600" dirty="0" smtClean="0"/>
+              <a:t> - уверенность</a:t>
+            </a:r>
+          </a:p>
+          <a:p>
+            <a:r>
+              <a:rPr lang="en-US" sz="1600" dirty="0" smtClean="0"/>
+              <a:t>boxes.cls</a:t>
+            </a:r>
+            <a:r>
+              <a:rPr lang="ru-RU" sz="1600" dirty="0" smtClean="0"/>
+              <a:t> - к</a:t>
+            </a:r>
+            <a:r>
+              <a:rPr lang="ru-RU" sz="1600" dirty="0"/>
+              <a:t>лассы объектов</a:t>
+            </a:r>
+            <a:endParaRPr lang="en-US" sz="1600" dirty="0"/>
           </a:p>
         </p:txBody>
       </p:sp>
       <p:pic>
         <p:nvPicPr>
-          <p:cNvPr id="15363" name="Picture 3"/>
+          <p:cNvPr id="16386" name="Picture 2"/>
           <p:cNvPicPr>
             <a:picLocks noChangeAspect="1" noChangeArrowheads="1"/>
           </p:cNvPicPr>
@@ -6912,8 +7110,8 @@
         </p:blipFill>
         <p:spPr bwMode="auto">
           <a:xfrm>
-            <a:off x="2928926" y="2428868"/>
-            <a:ext cx="2847975" cy="1933575"/>
+            <a:off x="6072198" y="1785926"/>
+            <a:ext cx="2571768" cy="1928826"/>
           </a:xfrm>
           <a:prstGeom prst="rect">
             <a:avLst/>
@@ -6928,39 +7126,9 @@
           <a:effectLst/>
         </p:spPr>
       </p:pic>
-      <p:sp>
-        <p:nvSpPr>
-          <p:cNvPr id="10" name="TextBox 9"/>
-          <p:cNvSpPr txBox="1"/>
-          <p:nvPr/>
-        </p:nvSpPr>
-        <p:spPr>
-          <a:xfrm>
-            <a:off x="1214414" y="4425743"/>
-            <a:ext cx="6429420" cy="369332"/>
-          </a:xfrm>
-          <a:prstGeom prst="rect">
-            <a:avLst/>
-          </a:prstGeom>
-          <a:noFill/>
-        </p:spPr>
-        <p:txBody>
-          <a:bodyPr wrap="square" rtlCol="0">
-            <a:spAutoFit/>
-          </a:bodyPr>
-          <a:lstStyle/>
-          <a:p>
-            <a:r>
-              <a:rPr lang="ru-RU" dirty="0" smtClean="0"/>
-              <a:t>дальше его можно использовать в любой питон программе</a:t>
-            </a:r>
-            <a:endParaRPr lang="en-US" dirty="0"/>
-          </a:p>
-        </p:txBody>
-      </p:sp>
       <p:pic>
         <p:nvPicPr>
-          <p:cNvPr id="15364" name="Picture 4"/>
+          <p:cNvPr id="16387" name="Picture 3"/>
           <p:cNvPicPr>
             <a:picLocks noChangeAspect="1" noChangeArrowheads="1"/>
           </p:cNvPicPr>
@@ -6975,8 +7143,8 @@
         </p:blipFill>
         <p:spPr bwMode="auto">
           <a:xfrm>
-            <a:off x="2857488" y="4929198"/>
-            <a:ext cx="2990850" cy="809625"/>
+            <a:off x="6143636" y="4214818"/>
+            <a:ext cx="2143140" cy="482379"/>
           </a:xfrm>
           <a:prstGeom prst="rect">
             <a:avLst/>
@@ -6991,6 +7159,75 @@
           <a:effectLst/>
         </p:spPr>
       </p:pic>
+      <p:sp>
+        <p:nvSpPr>
+          <p:cNvPr id="6" name="TextBox 5"/>
+          <p:cNvSpPr txBox="1"/>
+          <p:nvPr/>
+        </p:nvSpPr>
+        <p:spPr>
+          <a:xfrm>
+            <a:off x="5000628" y="6286520"/>
+            <a:ext cx="3284617" cy="523220"/>
+          </a:xfrm>
+          <a:prstGeom prst="rect">
+            <a:avLst/>
+          </a:prstGeom>
+          <a:noFill/>
+        </p:spPr>
+        <p:txBody>
+          <a:bodyPr wrap="none" rtlCol="0">
+            <a:spAutoFit/>
+          </a:bodyPr>
+          <a:lstStyle/>
+          <a:p>
+            <a:r>
+              <a:rPr lang="ru-RU" sz="1400" dirty="0" smtClean="0"/>
+              <a:t>имя = </a:t>
+            </a:r>
+            <a:r>
+              <a:rPr lang="en-US" sz="1400" dirty="0" err="1" smtClean="0"/>
+              <a:t>result.names</a:t>
+            </a:r>
+            <a:r>
+              <a:rPr lang="en-US" sz="1400" dirty="0" smtClean="0"/>
+              <a:t>[</a:t>
+            </a:r>
+            <a:r>
+              <a:rPr lang="en-US" sz="1400" dirty="0" err="1" smtClean="0"/>
+              <a:t>int</a:t>
+            </a:r>
+            <a:r>
+              <a:rPr lang="en-US" sz="1400" dirty="0" smtClean="0"/>
+              <a:t>(</a:t>
+            </a:r>
+            <a:r>
+              <a:rPr lang="en-US" sz="1400" dirty="0" err="1" smtClean="0"/>
+              <a:t>result.boxes.cls</a:t>
+            </a:r>
+            <a:r>
+              <a:rPr lang="en-US" sz="1400" dirty="0" smtClean="0"/>
+              <a:t>[</a:t>
+            </a:r>
+            <a:r>
+              <a:rPr lang="en-US" sz="1400" dirty="0" err="1" smtClean="0"/>
+              <a:t>i</a:t>
+            </a:r>
+            <a:r>
+              <a:rPr lang="en-US" sz="1400" dirty="0" smtClean="0"/>
+              <a:t>])]</a:t>
+            </a:r>
+            <a:endParaRPr lang="ru-RU" sz="1400" dirty="0" smtClean="0"/>
+          </a:p>
+          <a:p>
+            <a:r>
+              <a:rPr lang="ru-RU" sz="1400" dirty="0" smtClean="0"/>
+              <a:t>формула получения имени объекта</a:t>
+            </a:r>
+            <a:endParaRPr lang="ru-RU" sz="1400" dirty="0"/>
+          </a:p>
+        </p:txBody>
+      </p:sp>
     </p:spTree>
   </p:cSld>
   <p:clrMapOvr>
@@ -7026,7 +7263,7 @@
         </p:nvSpPr>
         <p:spPr>
           <a:xfrm>
-            <a:off x="-214346" y="125020"/>
+            <a:off x="-214346" y="691727"/>
             <a:ext cx="9429816" cy="1470025"/>
           </a:xfrm>
           <a:prstGeom prst="rect">
@@ -7057,6 +7294,315 @@
               <a:defRPr/>
             </a:pPr>
             <a:r>
+              <a:rPr kumimoji="0" lang="ru-RU" sz="3600" b="0" i="0" u="none" strike="noStrike" kern="1200" cap="none" spc="0" normalizeH="0" baseline="0" noProof="0" dirty="0" smtClean="0">
+                <a:ln>
+                  <a:noFill/>
+                </a:ln>
+                <a:solidFill>
+                  <a:schemeClr val="tx1"/>
+                </a:solidFill>
+                <a:effectLst/>
+                <a:uLnTx/>
+                <a:uFillTx/>
+                <a:latin typeface="+mj-lt"/>
+                <a:ea typeface="+mj-ea"/>
+                <a:cs typeface="+mj-cs"/>
+              </a:rPr>
+              <a:t>Шаг </a:t>
+            </a:r>
+            <a:r>
+              <a:rPr lang="ru-RU" sz="3600" dirty="0" smtClean="0">
+                <a:latin typeface="+mj-lt"/>
+                <a:ea typeface="+mj-ea"/>
+                <a:cs typeface="+mj-cs"/>
+              </a:rPr>
+              <a:t>3</a:t>
+            </a:r>
+            <a:r>
+              <a:rPr lang="en-US" sz="3600" dirty="0" smtClean="0">
+                <a:latin typeface="+mj-lt"/>
+                <a:ea typeface="+mj-ea"/>
+                <a:cs typeface="+mj-cs"/>
+              </a:rPr>
+              <a:t>.1</a:t>
+            </a:r>
+            <a:r>
+              <a:rPr kumimoji="0" lang="ru-RU" sz="3600" b="0" i="0" u="none" strike="noStrike" kern="1200" cap="none" spc="0" normalizeH="0" baseline="0" noProof="0" dirty="0" smtClean="0">
+                <a:ln>
+                  <a:noFill/>
+                </a:ln>
+                <a:solidFill>
+                  <a:schemeClr val="tx1"/>
+                </a:solidFill>
+                <a:effectLst/>
+                <a:uLnTx/>
+                <a:uFillTx/>
+                <a:latin typeface="+mj-lt"/>
+                <a:ea typeface="+mj-ea"/>
+                <a:cs typeface="+mj-cs"/>
+              </a:rPr>
+              <a:t> – </a:t>
+            </a:r>
+            <a:r>
+              <a:rPr lang="ru-RU" sz="3600" dirty="0" smtClean="0">
+                <a:latin typeface="+mj-lt"/>
+                <a:ea typeface="+mj-ea"/>
+                <a:cs typeface="+mj-cs"/>
+              </a:rPr>
+              <a:t>обработка данных</a:t>
+            </a:r>
+            <a:endParaRPr kumimoji="0" lang="ru-RU" sz="3600" b="0" i="0" u="none" strike="noStrike" kern="1200" cap="none" spc="0" normalizeH="0" baseline="0" noProof="0" dirty="0">
+              <a:ln>
+                <a:noFill/>
+              </a:ln>
+              <a:solidFill>
+                <a:schemeClr val="tx1"/>
+              </a:solidFill>
+              <a:effectLst/>
+              <a:uLnTx/>
+              <a:uFillTx/>
+              <a:latin typeface="+mj-lt"/>
+              <a:ea typeface="+mj-ea"/>
+              <a:cs typeface="+mj-cs"/>
+            </a:endParaRPr>
+          </a:p>
+        </p:txBody>
+      </p:sp>
+      <p:sp>
+        <p:nvSpPr>
+          <p:cNvPr id="10" name="TextBox 9"/>
+          <p:cNvSpPr txBox="1"/>
+          <p:nvPr/>
+        </p:nvSpPr>
+        <p:spPr>
+          <a:xfrm>
+            <a:off x="428596" y="1947438"/>
+            <a:ext cx="8215370" cy="3539430"/>
+          </a:xfrm>
+          <a:prstGeom prst="rect">
+            <a:avLst/>
+          </a:prstGeom>
+          <a:noFill/>
+        </p:spPr>
+        <p:txBody>
+          <a:bodyPr wrap="square" rtlCol="0">
+            <a:spAutoFit/>
+          </a:bodyPr>
+          <a:lstStyle/>
+          <a:p>
+            <a:r>
+              <a:rPr lang="ru-RU" sz="1600" dirty="0" smtClean="0"/>
+              <a:t>используя выводы через боксы мы получим на выходе тензор.</a:t>
+            </a:r>
+            <a:r>
+              <a:rPr lang="en-US" sz="1600" dirty="0" smtClean="0"/>
+              <a:t>  </a:t>
+            </a:r>
+            <a:r>
+              <a:rPr lang="ru-RU" sz="1600" dirty="0" smtClean="0"/>
+              <a:t>сам по себе формат читаемый, но не подходит для даже простых вычислений.</a:t>
+            </a:r>
+          </a:p>
+          <a:p>
+            <a:r>
+              <a:rPr lang="ru-RU" sz="1600" dirty="0" smtClean="0"/>
+              <a:t>чтобы получить привычные данные можно воспользоваться  готовыми методами</a:t>
+            </a:r>
+          </a:p>
+          <a:p>
+            <a:r>
+              <a:rPr lang="ru-RU" sz="1600" dirty="0" smtClean="0"/>
+              <a:t>1) если элементов много то бери </a:t>
+            </a:r>
+            <a:r>
+              <a:rPr lang="en-US" sz="1600" dirty="0" smtClean="0"/>
+              <a:t>.</a:t>
+            </a:r>
+            <a:r>
+              <a:rPr lang="en-US" sz="1600" dirty="0" err="1" smtClean="0"/>
+              <a:t>tolist</a:t>
+            </a:r>
+            <a:r>
+              <a:rPr lang="en-US" sz="1600" dirty="0" smtClean="0"/>
+              <a:t>()</a:t>
+            </a:r>
+            <a:r>
+              <a:rPr lang="ru-RU" sz="1600" dirty="0" smtClean="0"/>
+              <a:t> – сразу преобразует в привычный </a:t>
+            </a:r>
+            <a:r>
+              <a:rPr lang="en-US" sz="1600" dirty="0" smtClean="0"/>
+              <a:t>list</a:t>
+            </a:r>
+            <a:r>
+              <a:rPr lang="ru-RU" sz="1600" dirty="0" smtClean="0"/>
+              <a:t> из которого можно взять все что угодно</a:t>
+            </a:r>
+          </a:p>
+          <a:p>
+            <a:r>
+              <a:rPr lang="en-US" sz="1600" dirty="0" err="1"/>
+              <a:t>boxes.xywh.tolist</a:t>
+            </a:r>
+            <a:r>
+              <a:rPr lang="en-US" sz="1600" dirty="0" smtClean="0"/>
+              <a:t>()</a:t>
+            </a:r>
+          </a:p>
+          <a:p>
+            <a:r>
+              <a:rPr lang="ru-RU" sz="1600" dirty="0" smtClean="0"/>
+              <a:t>также в тензорах часто можно обращаться по индексам</a:t>
+            </a:r>
+          </a:p>
+          <a:p>
+            <a:r>
+              <a:rPr lang="en-US" sz="1600" dirty="0" err="1" smtClean="0"/>
+              <a:t>boxes.xywh</a:t>
+            </a:r>
+            <a:r>
+              <a:rPr lang="en-US" sz="1600" dirty="0" smtClean="0"/>
+              <a:t>[0</a:t>
+            </a:r>
+            <a:r>
+              <a:rPr lang="en-US" sz="1600" dirty="0"/>
+              <a:t>].</a:t>
+            </a:r>
+            <a:r>
+              <a:rPr lang="en-US" sz="1600" dirty="0" err="1"/>
+              <a:t>tolist</a:t>
+            </a:r>
+            <a:r>
+              <a:rPr lang="en-US" sz="1600" dirty="0"/>
+              <a:t>()</a:t>
+            </a:r>
+          </a:p>
+          <a:p>
+            <a:endParaRPr lang="ru-RU" sz="1600" dirty="0" smtClean="0"/>
+          </a:p>
+          <a:p>
+            <a:r>
+              <a:rPr lang="ru-RU" sz="1600" dirty="0" smtClean="0"/>
+              <a:t>2) если элемент 1 то бери </a:t>
+            </a:r>
+            <a:r>
+              <a:rPr lang="en-US" sz="1600" dirty="0"/>
+              <a:t>.</a:t>
+            </a:r>
+            <a:r>
+              <a:rPr lang="en-US" sz="1600" dirty="0" smtClean="0"/>
+              <a:t>item() – </a:t>
+            </a:r>
+            <a:r>
+              <a:rPr lang="ru-RU" sz="1600" dirty="0" smtClean="0"/>
+              <a:t>сразу преобразует  в примитивный тип (</a:t>
+            </a:r>
+            <a:r>
+              <a:rPr lang="en-US" sz="1600" dirty="0" err="1" smtClean="0"/>
+              <a:t>int</a:t>
+            </a:r>
+            <a:r>
+              <a:rPr lang="en-US" sz="1600" dirty="0" smtClean="0"/>
+              <a:t>, </a:t>
+            </a:r>
+            <a:r>
+              <a:rPr lang="en-US" sz="1600" dirty="0" err="1" smtClean="0"/>
+              <a:t>str</a:t>
+            </a:r>
+            <a:r>
+              <a:rPr lang="en-US" sz="1600" dirty="0" smtClean="0"/>
+              <a:t> </a:t>
+            </a:r>
+            <a:r>
+              <a:rPr lang="ru-RU" sz="1600" dirty="0" err="1" smtClean="0"/>
+              <a:t>итд</a:t>
+            </a:r>
+            <a:r>
+              <a:rPr lang="ru-RU" sz="1600" dirty="0" smtClean="0"/>
+              <a:t>)</a:t>
+            </a:r>
+          </a:p>
+          <a:p>
+            <a:r>
+              <a:rPr lang="en-US" sz="1600" dirty="0" err="1"/>
+              <a:t>boxes.conf</a:t>
+            </a:r>
+            <a:r>
+              <a:rPr lang="en-US" sz="1600" dirty="0"/>
+              <a:t>[0].item()</a:t>
+            </a:r>
+          </a:p>
+          <a:p>
+            <a:r>
+              <a:rPr lang="en-US" sz="1600" dirty="0" err="1" smtClean="0"/>
+              <a:t>boxes.xywh</a:t>
+            </a:r>
+            <a:r>
+              <a:rPr lang="en-US" sz="1600" dirty="0" smtClean="0"/>
+              <a:t>[0</a:t>
+            </a:r>
+            <a:r>
+              <a:rPr lang="en-US" sz="1600" dirty="0"/>
+              <a:t>][0].item</a:t>
+            </a:r>
+            <a:r>
+              <a:rPr lang="en-US" sz="1600" dirty="0" smtClean="0"/>
+              <a:t>()</a:t>
+            </a:r>
+            <a:endParaRPr lang="ru-RU" sz="1600" dirty="0" smtClean="0"/>
+          </a:p>
+          <a:p>
+            <a:endParaRPr lang="ru-RU" sz="1600" dirty="0"/>
+          </a:p>
+          <a:p>
+            <a:r>
+              <a:rPr lang="ru-RU" sz="1600" dirty="0" smtClean="0"/>
+              <a:t>3) или можно сразу собрать удобный словарик</a:t>
+            </a:r>
+          </a:p>
+        </p:txBody>
+      </p:sp>
+      <p:sp>
+        <p:nvSpPr>
+          <p:cNvPr id="6" name="Заголовок 1"/>
+          <p:cNvSpPr txBox="1">
+            <a:spLocks/>
+          </p:cNvSpPr>
+          <p:nvPr/>
+        </p:nvSpPr>
+        <p:spPr>
+          <a:xfrm>
+            <a:off x="-214346" y="71414"/>
+            <a:ext cx="9429816" cy="1470025"/>
+          </a:xfrm>
+          <a:prstGeom prst="rect">
+            <a:avLst/>
+          </a:prstGeom>
+        </p:spPr>
+        <p:txBody>
+          <a:bodyPr vert="horz" lIns="91440" tIns="45720" rIns="91440" bIns="45720" rtlCol="0" anchor="ctr">
+            <a:normAutofit/>
+          </a:bodyPr>
+          <a:lstStyle/>
+          <a:p>
+            <a:pPr marL="0" marR="0" lvl="0" indent="0" algn="ctr" defTabSz="914400" rtl="0" eaLnBrk="1" fontAlgn="auto" latinLnBrk="0" hangingPunct="1">
+              <a:lnSpc>
+                <a:spcPct val="100000"/>
+              </a:lnSpc>
+              <a:spcBef>
+                <a:spcPct val="0"/>
+              </a:spcBef>
+              <a:spcAft>
+                <a:spcPts val="0"/>
+              </a:spcAft>
+              <a:buClrTx/>
+              <a:buSzTx/>
+              <a:buFontTx/>
+              <a:buNone/>
+              <a:tabLst/>
+              <a:defRPr/>
+            </a:pPr>
+            <a:r>
               <a:rPr kumimoji="0" lang="ru-RU" sz="4000" b="0" i="0" u="none" strike="noStrike" kern="1200" cap="none" spc="0" normalizeH="0" baseline="0" noProof="0" dirty="0" smtClean="0">
                 <a:ln>
                   <a:noFill/>
@@ -7132,284 +7678,9 @@
           </a:p>
         </p:txBody>
       </p:sp>
-      <p:sp>
-        <p:nvSpPr>
-          <p:cNvPr id="10" name="TextBox 9"/>
-          <p:cNvSpPr txBox="1"/>
-          <p:nvPr/>
-        </p:nvSpPr>
-        <p:spPr>
-          <a:xfrm>
-            <a:off x="428596" y="1285860"/>
-            <a:ext cx="6858048" cy="5262979"/>
-          </a:xfrm>
-          <a:prstGeom prst="rect">
-            <a:avLst/>
-          </a:prstGeom>
-          <a:noFill/>
-        </p:spPr>
-        <p:txBody>
-          <a:bodyPr wrap="square" rtlCol="0">
-            <a:spAutoFit/>
-          </a:bodyPr>
-          <a:lstStyle/>
-          <a:p>
-            <a:r>
-              <a:rPr lang="ru-RU" sz="1600" dirty="0" err="1" smtClean="0"/>
-              <a:t>нейросеть</a:t>
-            </a:r>
-            <a:r>
-              <a:rPr lang="ru-RU" sz="1600" dirty="0" smtClean="0"/>
-              <a:t> импортируется в программу через библиотеку </a:t>
-            </a:r>
-            <a:r>
-              <a:rPr lang="en-US" sz="1600" dirty="0" err="1" smtClean="0"/>
-              <a:t>ultralytics</a:t>
-            </a:r>
-            <a:endParaRPr lang="ru-RU" sz="1600" dirty="0" smtClean="0"/>
-          </a:p>
-          <a:p>
-            <a:r>
-              <a:rPr lang="ru-RU" sz="1600" dirty="0" smtClean="0"/>
-              <a:t>сначала нужно скачать ее на устройство</a:t>
-            </a:r>
-          </a:p>
-          <a:p>
-            <a:r>
-              <a:rPr lang="en-US" sz="1600" dirty="0" smtClean="0"/>
-              <a:t>pip install </a:t>
-            </a:r>
-            <a:r>
-              <a:rPr lang="en-US" sz="1600" dirty="0" err="1" smtClean="0"/>
-              <a:t>ultralytics</a:t>
-            </a:r>
-            <a:endParaRPr lang="ru-RU" sz="1600" dirty="0" smtClean="0"/>
-          </a:p>
-          <a:p>
-            <a:endParaRPr lang="ru-RU" sz="1600" dirty="0" smtClean="0"/>
-          </a:p>
-          <a:p>
-            <a:r>
-              <a:rPr lang="ru-RU" sz="1600" dirty="0" smtClean="0"/>
-              <a:t>после этого можно импортировать </a:t>
-            </a:r>
-            <a:r>
-              <a:rPr lang="en-US" sz="1600" dirty="0" smtClean="0"/>
-              <a:t>YOLO </a:t>
-            </a:r>
-          </a:p>
-          <a:p>
-            <a:r>
-              <a:rPr lang="en-US" sz="1600" dirty="0" smtClean="0"/>
-              <a:t>from </a:t>
-            </a:r>
-            <a:r>
-              <a:rPr lang="en-US" sz="1600" dirty="0" err="1" smtClean="0"/>
-              <a:t>ultralytics</a:t>
-            </a:r>
-            <a:r>
-              <a:rPr lang="en-US" sz="1600" dirty="0" smtClean="0"/>
-              <a:t> import YOLO</a:t>
-            </a:r>
-          </a:p>
-          <a:p>
-            <a:r>
-              <a:rPr lang="en-US" sz="1600" dirty="0" smtClean="0"/>
-              <a:t> </a:t>
-            </a:r>
-          </a:p>
-          <a:p>
-            <a:r>
-              <a:rPr lang="ru-RU" sz="1600" dirty="0" smtClean="0"/>
-              <a:t>создать экземпляр модели с помощью файла</a:t>
-            </a:r>
-          </a:p>
-          <a:p>
-            <a:r>
-              <a:rPr lang="en-US" sz="1600" dirty="0" smtClean="0"/>
-              <a:t>model = YOLO('best.pt')</a:t>
-            </a:r>
-            <a:endParaRPr lang="ru-RU" sz="1600" dirty="0" smtClean="0"/>
-          </a:p>
-          <a:p>
-            <a:endParaRPr lang="ru-RU" sz="1600" dirty="0" smtClean="0"/>
-          </a:p>
-          <a:p>
-            <a:r>
-              <a:rPr lang="ru-RU" sz="1600" dirty="0" smtClean="0"/>
-              <a:t>после этого дать ей задание в виде изображения и получить результат</a:t>
-            </a:r>
-          </a:p>
-          <a:p>
-            <a:r>
-              <a:rPr lang="en-US" sz="1600" dirty="0" smtClean="0"/>
-              <a:t>results = model('input.jpg')</a:t>
-            </a:r>
-          </a:p>
-          <a:p>
-            <a:endParaRPr lang="ru-RU" sz="1600" dirty="0" smtClean="0"/>
-          </a:p>
-          <a:p>
-            <a:r>
-              <a:rPr lang="ru-RU" sz="1600" dirty="0" smtClean="0"/>
-              <a:t>этот результат можно распаковать разными способами</a:t>
-            </a:r>
-            <a:r>
-              <a:rPr lang="en-US" sz="1600" dirty="0" smtClean="0"/>
-              <a:t>:</a:t>
-            </a:r>
-            <a:endParaRPr lang="ru-RU" sz="1600" dirty="0" smtClean="0"/>
-          </a:p>
-          <a:p>
-            <a:r>
-              <a:rPr lang="en-US" sz="1600" dirty="0" smtClean="0"/>
-              <a:t>results[0].show()</a:t>
-            </a:r>
-            <a:r>
-              <a:rPr lang="ru-RU" sz="1600" dirty="0" smtClean="0"/>
-              <a:t> – сразу откроет файл в редакторе изображений</a:t>
-            </a:r>
-          </a:p>
-          <a:p>
-            <a:r>
-              <a:rPr lang="ru-RU" sz="500" dirty="0"/>
-              <a:t> </a:t>
-            </a:r>
-            <a:endParaRPr lang="ru-RU" sz="1600" dirty="0" smtClean="0"/>
-          </a:p>
-          <a:p>
-            <a:r>
-              <a:rPr lang="en-US" sz="1600" dirty="0" smtClean="0"/>
-              <a:t>boxes </a:t>
-            </a:r>
-            <a:r>
-              <a:rPr lang="en-US" sz="1600" dirty="0"/>
-              <a:t>=</a:t>
-            </a:r>
-            <a:r>
-              <a:rPr lang="en-US" sz="1600" dirty="0" smtClean="0"/>
-              <a:t> </a:t>
-            </a:r>
-            <a:r>
-              <a:rPr lang="en-US" sz="1600" dirty="0" err="1" smtClean="0"/>
-              <a:t>result.boxes</a:t>
-            </a:r>
-            <a:r>
-              <a:rPr lang="ru-RU" sz="1600" dirty="0" smtClean="0"/>
-              <a:t> – сохранит боксы в переменную (промежуточный шаг)</a:t>
-            </a:r>
-          </a:p>
-          <a:p>
-            <a:r>
-              <a:rPr lang="en-US" sz="1600" dirty="0" err="1" smtClean="0"/>
-              <a:t>boxes.xyxy</a:t>
-            </a:r>
-            <a:r>
-              <a:rPr lang="ru-RU" sz="1600" dirty="0" smtClean="0"/>
-              <a:t> - координаты </a:t>
-            </a:r>
-            <a:r>
-              <a:rPr lang="ru-RU" sz="1600" dirty="0"/>
-              <a:t>в формате </a:t>
-            </a:r>
-            <a:r>
-              <a:rPr lang="en-US" sz="1600" dirty="0" err="1"/>
-              <a:t>xyxy</a:t>
-            </a:r>
-            <a:endParaRPr lang="ru-RU" sz="1600" dirty="0" smtClean="0"/>
-          </a:p>
-          <a:p>
-            <a:r>
-              <a:rPr lang="en-US" sz="1600" dirty="0" err="1" smtClean="0"/>
-              <a:t>boxes</a:t>
-            </a:r>
-            <a:r>
-              <a:rPr lang="en-US" sz="1600" dirty="0" err="1"/>
-              <a:t>.</a:t>
-            </a:r>
-            <a:r>
-              <a:rPr lang="en-US" sz="1600" dirty="0" err="1" smtClean="0"/>
-              <a:t>xywh</a:t>
-            </a:r>
-            <a:r>
-              <a:rPr lang="en-US" sz="1600" dirty="0" smtClean="0"/>
-              <a:t> </a:t>
-            </a:r>
-            <a:r>
-              <a:rPr lang="ru-RU" sz="1600" dirty="0" smtClean="0"/>
-              <a:t>- координаты </a:t>
-            </a:r>
-            <a:r>
-              <a:rPr lang="ru-RU" sz="1600" dirty="0"/>
-              <a:t>в формате </a:t>
-            </a:r>
-            <a:r>
-              <a:rPr lang="ru-RU" sz="1600" dirty="0" err="1"/>
-              <a:t>xywh</a:t>
-            </a:r>
-            <a:r>
-              <a:rPr lang="ru-RU" sz="1600" dirty="0"/>
-              <a:t> (центр </a:t>
-            </a:r>
-            <a:r>
-              <a:rPr lang="ru-RU" sz="1600" dirty="0" err="1"/>
-              <a:t>x</a:t>
-            </a:r>
-            <a:r>
-              <a:rPr lang="ru-RU" sz="1600" dirty="0"/>
-              <a:t>, </a:t>
-            </a:r>
-            <a:r>
-              <a:rPr lang="ru-RU" sz="1600" dirty="0" err="1"/>
-              <a:t>центр</a:t>
-            </a:r>
-            <a:r>
-              <a:rPr lang="ru-RU" sz="1600" dirty="0"/>
-              <a:t> </a:t>
-            </a:r>
-            <a:r>
-              <a:rPr lang="ru-RU" sz="1600" dirty="0" err="1"/>
-              <a:t>y</a:t>
-            </a:r>
-            <a:r>
-              <a:rPr lang="ru-RU" sz="1600" dirty="0"/>
-              <a:t>, ширина, высота</a:t>
-            </a:r>
-            <a:r>
-              <a:rPr lang="ru-RU" sz="1600" dirty="0" smtClean="0"/>
-              <a:t>)</a:t>
-            </a:r>
-          </a:p>
-          <a:p>
-            <a:r>
-              <a:rPr lang="en-US" sz="1600" dirty="0" err="1" smtClean="0"/>
-              <a:t>boxes.conf</a:t>
-            </a:r>
-            <a:r>
-              <a:rPr lang="ru-RU" sz="1600" dirty="0" smtClean="0"/>
-              <a:t> - уверенность</a:t>
-            </a:r>
-          </a:p>
-          <a:p>
-            <a:r>
-              <a:rPr lang="en-US" sz="1600" dirty="0" smtClean="0"/>
-              <a:t>boxes.cls</a:t>
-            </a:r>
-            <a:r>
-              <a:rPr lang="ru-RU" sz="1600" dirty="0" smtClean="0"/>
-              <a:t> - к</a:t>
-            </a:r>
-            <a:r>
-              <a:rPr lang="ru-RU" sz="1600" dirty="0"/>
-              <a:t>лассы объектов</a:t>
-            </a:r>
-            <a:endParaRPr lang="en-US" sz="1600" dirty="0"/>
-          </a:p>
-        </p:txBody>
-      </p:sp>
       <p:pic>
         <p:nvPicPr>
-          <p:cNvPr id="16386" name="Picture 2"/>
+          <p:cNvPr id="17410" name="Picture 2"/>
           <p:cNvPicPr>
             <a:picLocks noChangeAspect="1" noChangeArrowheads="1"/>
           </p:cNvPicPr>
@@ -7424,8 +7695,8 @@
         </p:blipFill>
         <p:spPr bwMode="auto">
           <a:xfrm>
-            <a:off x="6072198" y="1785926"/>
-            <a:ext cx="2571768" cy="1928826"/>
+            <a:off x="2714612" y="3719516"/>
+            <a:ext cx="5133975" cy="209550"/>
           </a:xfrm>
           <a:prstGeom prst="rect">
             <a:avLst/>
@@ -7442,7 +7713,7 @@
       </p:pic>
       <p:pic>
         <p:nvPicPr>
-          <p:cNvPr id="16387" name="Picture 3"/>
+          <p:cNvPr id="17411" name="Picture 3"/>
           <p:cNvPicPr>
             <a:picLocks noChangeAspect="1" noChangeArrowheads="1"/>
           </p:cNvPicPr>
@@ -7457,8 +7728,8 @@
         </p:blipFill>
         <p:spPr bwMode="auto">
           <a:xfrm>
-            <a:off x="6143636" y="4214818"/>
-            <a:ext cx="2143140" cy="482379"/>
+            <a:off x="2928926" y="4723510"/>
+            <a:ext cx="1200150" cy="190500"/>
           </a:xfrm>
           <a:prstGeom prst="rect">
             <a:avLst/>
@@ -7473,6 +7744,555 @@
           <a:effectLst/>
         </p:spPr>
       </p:pic>
+      <p:pic>
+        <p:nvPicPr>
+          <p:cNvPr id="17412" name="Picture 4"/>
+          <p:cNvPicPr>
+            <a:picLocks noChangeAspect="1" noChangeArrowheads="1"/>
+          </p:cNvPicPr>
+          <p:nvPr/>
+        </p:nvPicPr>
+        <p:blipFill>
+          <a:blip r:embed="rId4"/>
+          <a:srcRect/>
+          <a:stretch>
+            <a:fillRect/>
+          </a:stretch>
+        </p:blipFill>
+        <p:spPr bwMode="auto">
+          <a:xfrm>
+            <a:off x="2928926" y="4472262"/>
+            <a:ext cx="1209675" cy="180975"/>
+          </a:xfrm>
+          <a:prstGeom prst="rect">
+            <a:avLst/>
+          </a:prstGeom>
+          <a:noFill/>
+          <a:ln w="9525">
+            <a:noFill/>
+            <a:miter lim="800000"/>
+            <a:headEnd/>
+            <a:tailEnd/>
+          </a:ln>
+          <a:effectLst/>
+        </p:spPr>
+      </p:pic>
+      <p:pic>
+        <p:nvPicPr>
+          <p:cNvPr id="17413" name="Picture 5"/>
+          <p:cNvPicPr>
+            <a:picLocks noChangeAspect="1" noChangeArrowheads="1"/>
+          </p:cNvPicPr>
+          <p:nvPr/>
+        </p:nvPicPr>
+        <p:blipFill>
+          <a:blip r:embed="rId5"/>
+          <a:srcRect/>
+          <a:stretch>
+            <a:fillRect/>
+          </a:stretch>
+        </p:blipFill>
+        <p:spPr bwMode="auto">
+          <a:xfrm>
+            <a:off x="2357422" y="3259748"/>
+            <a:ext cx="17519650" cy="209550"/>
+          </a:xfrm>
+          <a:prstGeom prst="rect">
+            <a:avLst/>
+          </a:prstGeom>
+          <a:noFill/>
+          <a:ln w="9525">
+            <a:noFill/>
+            <a:miter lim="800000"/>
+            <a:headEnd/>
+            <a:tailEnd/>
+          </a:ln>
+          <a:effectLst/>
+        </p:spPr>
+      </p:pic>
+      <p:sp>
+        <p:nvSpPr>
+          <p:cNvPr id="11" name="TextBox 10"/>
+          <p:cNvSpPr txBox="1"/>
+          <p:nvPr/>
+        </p:nvSpPr>
+        <p:spPr>
+          <a:xfrm>
+            <a:off x="4643438" y="3009125"/>
+            <a:ext cx="8215370" cy="276999"/>
+          </a:xfrm>
+          <a:prstGeom prst="rect">
+            <a:avLst/>
+          </a:prstGeom>
+          <a:noFill/>
+        </p:spPr>
+        <p:txBody>
+          <a:bodyPr wrap="square" rtlCol="0">
+            <a:spAutoFit/>
+          </a:bodyPr>
+          <a:lstStyle/>
+          <a:p>
+            <a:r>
+              <a:rPr lang="ru-RU" sz="1200" i="1" dirty="0" smtClean="0">
+                <a:solidFill>
+                  <a:schemeClr val="accent2">
+                    <a:lumMod val="50000"/>
+                  </a:schemeClr>
+                </a:solidFill>
+              </a:rPr>
+              <a:t>очень длинный список</a:t>
+            </a:r>
+            <a:endParaRPr lang="en-US" sz="1200" i="1" dirty="0" smtClean="0">
+              <a:solidFill>
+                <a:schemeClr val="accent2">
+                  <a:lumMod val="50000"/>
+                </a:schemeClr>
+              </a:solidFill>
+            </a:endParaRPr>
+          </a:p>
+        </p:txBody>
+      </p:sp>
+      <p:pic>
+        <p:nvPicPr>
+          <p:cNvPr id="17414" name="Picture 6"/>
+          <p:cNvPicPr>
+            <a:picLocks noChangeAspect="1" noChangeArrowheads="1"/>
+          </p:cNvPicPr>
+          <p:nvPr/>
+        </p:nvPicPr>
+        <p:blipFill>
+          <a:blip r:embed="rId6"/>
+          <a:srcRect/>
+          <a:stretch>
+            <a:fillRect/>
+          </a:stretch>
+        </p:blipFill>
+        <p:spPr bwMode="auto">
+          <a:xfrm>
+            <a:off x="4714876" y="5143512"/>
+            <a:ext cx="3796219" cy="1614484"/>
+          </a:xfrm>
+          <a:prstGeom prst="rect">
+            <a:avLst/>
+          </a:prstGeom>
+          <a:noFill/>
+          <a:ln w="9525">
+            <a:noFill/>
+            <a:miter lim="800000"/>
+            <a:headEnd/>
+            <a:tailEnd/>
+          </a:ln>
+          <a:effectLst/>
+        </p:spPr>
+      </p:pic>
+      <p:sp>
+        <p:nvSpPr>
+          <p:cNvPr id="13" name="TextBox 12"/>
+          <p:cNvSpPr txBox="1"/>
+          <p:nvPr/>
+        </p:nvSpPr>
+        <p:spPr>
+          <a:xfrm>
+            <a:off x="642910" y="5429264"/>
+            <a:ext cx="4000528" cy="1384995"/>
+          </a:xfrm>
+          <a:prstGeom prst="rect">
+            <a:avLst/>
+          </a:prstGeom>
+          <a:noFill/>
+        </p:spPr>
+        <p:txBody>
+          <a:bodyPr wrap="square" rtlCol="0">
+            <a:spAutoFit/>
+          </a:bodyPr>
+          <a:lstStyle/>
+          <a:p>
+            <a:r>
+              <a:rPr lang="en-US" sz="1200" dirty="0" err="1" smtClean="0"/>
+              <a:t>boxes_data</a:t>
+            </a:r>
+            <a:r>
+              <a:rPr lang="en-US" sz="1200" dirty="0" smtClean="0"/>
+              <a:t> </a:t>
+            </a:r>
+            <a:r>
+              <a:rPr lang="en-US" sz="1200" dirty="0"/>
+              <a:t>=</a:t>
+            </a:r>
+            <a:r>
+              <a:rPr lang="en-US" sz="1200" dirty="0" smtClean="0"/>
+              <a:t> </a:t>
+            </a:r>
+            <a:r>
+              <a:rPr lang="en-US" sz="1200" dirty="0"/>
+              <a:t>[]</a:t>
+            </a:r>
+            <a:r>
+              <a:rPr lang="en-US" sz="1200" dirty="0" smtClean="0"/>
+              <a:t> </a:t>
+            </a:r>
+            <a:endParaRPr lang="ru-RU" sz="1200" dirty="0" smtClean="0"/>
+          </a:p>
+          <a:p>
+            <a:r>
+              <a:rPr lang="en-US" sz="1200" dirty="0" smtClean="0"/>
+              <a:t>for </a:t>
+            </a:r>
+            <a:r>
+              <a:rPr lang="en-US" sz="1200" dirty="0" err="1" smtClean="0"/>
+              <a:t>i</a:t>
+            </a:r>
+            <a:r>
+              <a:rPr lang="en-US" sz="1200" dirty="0" smtClean="0"/>
+              <a:t> </a:t>
+            </a:r>
+            <a:r>
+              <a:rPr lang="en-US" sz="1200" dirty="0"/>
+              <a:t>in</a:t>
+            </a:r>
+            <a:r>
+              <a:rPr lang="en-US" sz="1200" dirty="0" smtClean="0"/>
+              <a:t> </a:t>
+            </a:r>
+            <a:r>
+              <a:rPr lang="en-US" sz="1200" dirty="0"/>
+              <a:t>range(</a:t>
+            </a:r>
+            <a:r>
+              <a:rPr lang="en-US" sz="1200" dirty="0" err="1"/>
+              <a:t>len</a:t>
+            </a:r>
+            <a:r>
+              <a:rPr lang="en-US" sz="1200" dirty="0"/>
+              <a:t>(</a:t>
+            </a:r>
+            <a:r>
+              <a:rPr lang="en-US" sz="1200" dirty="0" smtClean="0"/>
+              <a:t>boxes</a:t>
+            </a:r>
+            <a:r>
+              <a:rPr lang="en-US" sz="1200" dirty="0"/>
+              <a:t>)):</a:t>
+            </a:r>
+            <a:r>
+              <a:rPr lang="en-US" sz="1200" dirty="0" smtClean="0"/>
+              <a:t> </a:t>
+            </a:r>
+            <a:r>
+              <a:rPr lang="en-US" sz="1200" dirty="0" err="1" smtClean="0"/>
+              <a:t>box_info</a:t>
+            </a:r>
+            <a:r>
+              <a:rPr lang="en-US" sz="1200" dirty="0" smtClean="0"/>
+              <a:t> </a:t>
+            </a:r>
+            <a:r>
+              <a:rPr lang="en-US" sz="1200" dirty="0"/>
+              <a:t>=</a:t>
+            </a:r>
+            <a:r>
+              <a:rPr lang="en-US" sz="1200" dirty="0" smtClean="0"/>
+              <a:t> </a:t>
+            </a:r>
+            <a:r>
+              <a:rPr lang="en-US" sz="1200" dirty="0"/>
+              <a:t>{</a:t>
+            </a:r>
+            <a:r>
+              <a:rPr lang="en-US" sz="1200" dirty="0" smtClean="0"/>
+              <a:t> </a:t>
+            </a:r>
+            <a:r>
+              <a:rPr lang="en-US" sz="1200" dirty="0"/>
+              <a:t>'</a:t>
+            </a:r>
+            <a:r>
+              <a:rPr lang="en-US" sz="1200" dirty="0" err="1"/>
+              <a:t>bbox</a:t>
+            </a:r>
+            <a:r>
+              <a:rPr lang="en-US" sz="1200" dirty="0"/>
+              <a:t>':</a:t>
+            </a:r>
+            <a:r>
+              <a:rPr lang="en-US" sz="1200" dirty="0" smtClean="0"/>
+              <a:t> </a:t>
+            </a:r>
+            <a:r>
+              <a:rPr lang="en-US" sz="1200" dirty="0" err="1" smtClean="0"/>
+              <a:t>boxes</a:t>
+            </a:r>
+            <a:r>
+              <a:rPr lang="en-US" sz="1200" dirty="0" err="1"/>
+              <a:t>.</a:t>
+            </a:r>
+            <a:r>
+              <a:rPr lang="en-US" sz="1200" dirty="0" err="1" smtClean="0"/>
+              <a:t>xyxy</a:t>
+            </a:r>
+            <a:r>
+              <a:rPr lang="en-US" sz="1200" dirty="0"/>
+              <a:t>[</a:t>
+            </a:r>
+            <a:r>
+              <a:rPr lang="en-US" sz="1200" dirty="0" err="1" smtClean="0"/>
+              <a:t>i</a:t>
+            </a:r>
+            <a:r>
+              <a:rPr lang="en-US" sz="1200" dirty="0"/>
+              <a:t>].</a:t>
+            </a:r>
+            <a:r>
+              <a:rPr lang="en-US" sz="1200" dirty="0" err="1" smtClean="0"/>
+              <a:t>tolist</a:t>
+            </a:r>
+            <a:r>
+              <a:rPr lang="en-US" sz="1200" dirty="0"/>
+              <a:t>(),</a:t>
+            </a:r>
+            <a:r>
+              <a:rPr lang="en-US" sz="1200" dirty="0" smtClean="0"/>
+              <a:t> </a:t>
+            </a:r>
+            <a:r>
+              <a:rPr lang="en-US" sz="1200" dirty="0"/>
+              <a:t># [x1, y1, x2, y2]</a:t>
+            </a:r>
+            <a:r>
+              <a:rPr lang="en-US" sz="1200" dirty="0" smtClean="0"/>
+              <a:t> </a:t>
+            </a:r>
+            <a:r>
+              <a:rPr lang="en-US" sz="1200" dirty="0"/>
+              <a:t>'confidence':</a:t>
+            </a:r>
+            <a:r>
+              <a:rPr lang="en-US" sz="1200" dirty="0" smtClean="0"/>
+              <a:t> </a:t>
+            </a:r>
+            <a:r>
+              <a:rPr lang="en-US" sz="1200" dirty="0" err="1" smtClean="0"/>
+              <a:t>boxes</a:t>
+            </a:r>
+            <a:r>
+              <a:rPr lang="en-US" sz="1200" dirty="0" err="1"/>
+              <a:t>.</a:t>
+            </a:r>
+            <a:r>
+              <a:rPr lang="en-US" sz="1200" dirty="0" err="1" smtClean="0"/>
+              <a:t>conf</a:t>
+            </a:r>
+            <a:r>
+              <a:rPr lang="en-US" sz="1200" dirty="0"/>
+              <a:t>[</a:t>
+            </a:r>
+            <a:r>
+              <a:rPr lang="en-US" sz="1200" dirty="0" err="1" smtClean="0"/>
+              <a:t>i</a:t>
+            </a:r>
+            <a:r>
+              <a:rPr lang="en-US" sz="1200" dirty="0"/>
+              <a:t>].</a:t>
+            </a:r>
+            <a:r>
+              <a:rPr lang="en-US" sz="1200" dirty="0" smtClean="0"/>
+              <a:t>item</a:t>
+            </a:r>
+            <a:r>
+              <a:rPr lang="en-US" sz="1200" dirty="0"/>
+              <a:t>(),</a:t>
+            </a:r>
+            <a:r>
+              <a:rPr lang="en-US" sz="1200" dirty="0" smtClean="0"/>
+              <a:t> </a:t>
+            </a:r>
+            <a:r>
+              <a:rPr lang="en-US" sz="1200" dirty="0"/>
+              <a:t># </a:t>
+            </a:r>
+            <a:r>
+              <a:rPr lang="ru-RU" sz="1200" dirty="0"/>
+              <a:t>уверенность</a:t>
+            </a:r>
+            <a:r>
+              <a:rPr lang="ru-RU" sz="1200" dirty="0" smtClean="0"/>
+              <a:t> </a:t>
+            </a:r>
+            <a:r>
+              <a:rPr lang="ru-RU" sz="1200" dirty="0"/>
+              <a:t>'</a:t>
+            </a:r>
+            <a:r>
+              <a:rPr lang="en-US" sz="1200" dirty="0" err="1"/>
+              <a:t>class_id</a:t>
+            </a:r>
+            <a:r>
+              <a:rPr lang="en-US" sz="1200" dirty="0"/>
+              <a:t>':</a:t>
+            </a:r>
+            <a:r>
+              <a:rPr lang="en-US" sz="1200" dirty="0" smtClean="0"/>
+              <a:t> boxes</a:t>
+            </a:r>
+            <a:r>
+              <a:rPr lang="en-US" sz="1200" dirty="0"/>
+              <a:t>.</a:t>
+            </a:r>
+            <a:r>
+              <a:rPr lang="en-US" sz="1200" dirty="0" smtClean="0"/>
+              <a:t>cls</a:t>
+            </a:r>
+            <a:r>
+              <a:rPr lang="en-US" sz="1200" dirty="0"/>
+              <a:t>[</a:t>
+            </a:r>
+            <a:r>
+              <a:rPr lang="en-US" sz="1200" dirty="0" err="1" smtClean="0"/>
+              <a:t>i</a:t>
+            </a:r>
+            <a:r>
+              <a:rPr lang="en-US" sz="1200" dirty="0"/>
+              <a:t>].</a:t>
+            </a:r>
+            <a:r>
+              <a:rPr lang="en-US" sz="1200" dirty="0" smtClean="0"/>
+              <a:t>item</a:t>
+            </a:r>
+            <a:r>
+              <a:rPr lang="en-US" sz="1200" dirty="0"/>
+              <a:t>(),</a:t>
+            </a:r>
+            <a:r>
+              <a:rPr lang="en-US" sz="1200" dirty="0" smtClean="0"/>
+              <a:t> </a:t>
+            </a:r>
+            <a:r>
+              <a:rPr lang="en-US" sz="1200" dirty="0"/>
+              <a:t># </a:t>
+            </a:r>
+            <a:r>
+              <a:rPr lang="ru-RU" sz="1200" dirty="0"/>
+              <a:t>номер класса</a:t>
+            </a:r>
+            <a:r>
+              <a:rPr lang="ru-RU" sz="1200" dirty="0" smtClean="0"/>
+              <a:t> </a:t>
+            </a:r>
+            <a:r>
+              <a:rPr lang="ru-RU" sz="1200" dirty="0"/>
+              <a:t>'</a:t>
+            </a:r>
+            <a:r>
+              <a:rPr lang="en-US" sz="1200" dirty="0" err="1"/>
+              <a:t>class_name</a:t>
+            </a:r>
+            <a:r>
+              <a:rPr lang="en-US" sz="1200" dirty="0"/>
+              <a:t>':</a:t>
+            </a:r>
+            <a:r>
+              <a:rPr lang="en-US" sz="1200" dirty="0" smtClean="0"/>
+              <a:t> </a:t>
+            </a:r>
+            <a:r>
+              <a:rPr lang="en-US" sz="1200" dirty="0" err="1" smtClean="0"/>
+              <a:t>result</a:t>
+            </a:r>
+            <a:r>
+              <a:rPr lang="en-US" sz="1200" dirty="0" err="1"/>
+              <a:t>.</a:t>
+            </a:r>
+            <a:r>
+              <a:rPr lang="en-US" sz="1200" dirty="0" err="1" smtClean="0"/>
+              <a:t>names</a:t>
+            </a:r>
+            <a:r>
+              <a:rPr lang="en-US" sz="1200" dirty="0"/>
+              <a:t>[</a:t>
+            </a:r>
+            <a:r>
+              <a:rPr lang="en-US" sz="1200" dirty="0" err="1"/>
+              <a:t>int</a:t>
+            </a:r>
+            <a:r>
+              <a:rPr lang="en-US" sz="1200" dirty="0"/>
+              <a:t>(</a:t>
+            </a:r>
+            <a:r>
+              <a:rPr lang="en-US" sz="1200" dirty="0" smtClean="0"/>
+              <a:t>boxes</a:t>
+            </a:r>
+            <a:r>
+              <a:rPr lang="en-US" sz="1200" dirty="0"/>
+              <a:t>.</a:t>
+            </a:r>
+            <a:r>
+              <a:rPr lang="en-US" sz="1200" dirty="0" smtClean="0"/>
+              <a:t>cls</a:t>
+            </a:r>
+            <a:r>
+              <a:rPr lang="en-US" sz="1200" dirty="0"/>
+              <a:t>[</a:t>
+            </a:r>
+            <a:r>
+              <a:rPr lang="en-US" sz="1200" dirty="0" err="1" smtClean="0"/>
+              <a:t>i</a:t>
+            </a:r>
+            <a:r>
+              <a:rPr lang="en-US" sz="1200" dirty="0"/>
+              <a:t>])]</a:t>
+            </a:r>
+            <a:r>
+              <a:rPr lang="en-US" sz="1200" dirty="0" smtClean="0"/>
+              <a:t> </a:t>
+            </a:r>
+            <a:r>
+              <a:rPr lang="en-US" sz="1200" dirty="0"/>
+              <a:t># </a:t>
+            </a:r>
+            <a:r>
+              <a:rPr lang="ru-RU" sz="1200" dirty="0"/>
+              <a:t>имя класса</a:t>
+            </a:r>
+            <a:r>
+              <a:rPr lang="ru-RU" sz="1200" dirty="0" smtClean="0"/>
+              <a:t> </a:t>
+            </a:r>
+            <a:r>
+              <a:rPr lang="ru-RU" sz="1200" dirty="0"/>
+              <a:t>}</a:t>
+            </a:r>
+            <a:r>
+              <a:rPr lang="ru-RU" sz="1200" dirty="0" smtClean="0"/>
+              <a:t> </a:t>
+            </a:r>
+            <a:r>
+              <a:rPr lang="en-US" sz="1200" dirty="0" err="1" smtClean="0"/>
+              <a:t>boxes_data</a:t>
+            </a:r>
+            <a:r>
+              <a:rPr lang="en-US" sz="1200" dirty="0" err="1"/>
+              <a:t>.</a:t>
+            </a:r>
+            <a:r>
+              <a:rPr lang="en-US" sz="1200" dirty="0" err="1" smtClean="0"/>
+              <a:t>append</a:t>
+            </a:r>
+            <a:r>
+              <a:rPr lang="en-US" sz="1200" dirty="0"/>
+              <a:t>(</a:t>
+            </a:r>
+            <a:r>
+              <a:rPr lang="en-US" sz="1200" dirty="0" err="1" smtClean="0"/>
+              <a:t>box_info</a:t>
+            </a:r>
+            <a:r>
+              <a:rPr lang="en-US" sz="1200" dirty="0"/>
+              <a:t>)</a:t>
+            </a:r>
+          </a:p>
+        </p:txBody>
+      </p:sp>
     </p:spTree>
   </p:cSld>
   <p:clrMapOvr>
@@ -7500,7 +8320,7 @@
       </p:grpSpPr>
       <p:sp>
         <p:nvSpPr>
-          <p:cNvPr id="4" name="Заголовок 1"/>
+          <p:cNvPr id="6" name="Заголовок 1"/>
           <p:cNvSpPr txBox="1">
             <a:spLocks/>
           </p:cNvSpPr>
@@ -7508,7 +8328,7 @@
         </p:nvSpPr>
         <p:spPr>
           <a:xfrm>
-            <a:off x="-214346" y="691727"/>
+            <a:off x="-214346" y="71414"/>
             <a:ext cx="9429816" cy="1470025"/>
           </a:xfrm>
           <a:prstGeom prst="rect">
@@ -7539,7 +8359,7 @@
               <a:defRPr/>
             </a:pPr>
             <a:r>
-              <a:rPr kumimoji="0" lang="ru-RU" sz="3600" b="0" i="0" u="none" strike="noStrike" kern="1200" cap="none" spc="0" normalizeH="0" baseline="0" noProof="0" dirty="0" smtClean="0">
+              <a:rPr kumimoji="0" lang="ru-RU" sz="4000" b="0" i="0" u="none" strike="noStrike" kern="1200" cap="none" spc="0" normalizeH="0" baseline="0" noProof="0" dirty="0" smtClean="0">
                 <a:ln>
                   <a:noFill/>
                 </a:ln>
@@ -7553,26 +8373,10 @@
                 <a:ea typeface="+mj-ea"/>
                 <a:cs typeface="+mj-cs"/>
               </a:rPr>
-              <a:t>Шаг </a:t>
-            </a:r>
-            <a:r>
-              <a:rPr lang="ru-RU" sz="3600" dirty="0" smtClean="0">
-                <a:latin typeface="+mj-lt"/>
-                <a:ea typeface="+mj-ea"/>
-                <a:cs typeface="+mj-cs"/>
-              </a:rPr>
-              <a:t>3</a:t>
-            </a:r>
-            <a:r>
-              <a:rPr lang="en-US" sz="3600" dirty="0" smtClean="0">
-                <a:latin typeface="+mj-lt"/>
-                <a:ea typeface="+mj-ea"/>
-                <a:cs typeface="+mj-cs"/>
-              </a:rPr>
-              <a:t>.1</a:t>
-            </a:r>
-            <a:r>
-              <a:rPr kumimoji="0" lang="ru-RU" sz="3600" b="0" i="0" u="none" strike="noStrike" kern="1200" cap="none" spc="0" normalizeH="0" baseline="0" noProof="0" dirty="0" smtClean="0">
+              <a:t>Шаг 4 – аналитика</a:t>
+            </a:r>
+            <a:r>
+              <a:rPr kumimoji="0" lang="ru-RU" sz="4000" b="0" i="0" u="none" strike="noStrike" kern="1200" cap="none" spc="0" normalizeH="0" noProof="0" dirty="0" smtClean="0">
                 <a:ln>
                   <a:noFill/>
                 </a:ln>
@@ -7586,325 +8390,7 @@
                 <a:ea typeface="+mj-ea"/>
                 <a:cs typeface="+mj-cs"/>
               </a:rPr>
-              <a:t> – </a:t>
-            </a:r>
-            <a:r>
-              <a:rPr lang="ru-RU" sz="3600" dirty="0" smtClean="0">
-                <a:latin typeface="+mj-lt"/>
-                <a:ea typeface="+mj-ea"/>
-                <a:cs typeface="+mj-cs"/>
-              </a:rPr>
-              <a:t>обработка данных</a:t>
-            </a:r>
-            <a:endParaRPr kumimoji="0" lang="ru-RU" sz="3600" b="0" i="0" u="none" strike="noStrike" kern="1200" cap="none" spc="0" normalizeH="0" baseline="0" noProof="0" dirty="0">
-              <a:ln>
-                <a:noFill/>
-              </a:ln>
-              <a:solidFill>
-                <a:schemeClr val="tx1"/>
-              </a:solidFill>
-              <a:effectLst/>
-              <a:uLnTx/>
-              <a:uFillTx/>
-              <a:latin typeface="+mj-lt"/>
-              <a:ea typeface="+mj-ea"/>
-              <a:cs typeface="+mj-cs"/>
-            </a:endParaRPr>
-          </a:p>
-        </p:txBody>
-      </p:sp>
-      <p:sp>
-        <p:nvSpPr>
-          <p:cNvPr id="10" name="TextBox 9"/>
-          <p:cNvSpPr txBox="1"/>
-          <p:nvPr/>
-        </p:nvSpPr>
-        <p:spPr>
-          <a:xfrm>
-            <a:off x="428596" y="1947438"/>
-            <a:ext cx="8215370" cy="3539430"/>
-          </a:xfrm>
-          <a:prstGeom prst="rect">
-            <a:avLst/>
-          </a:prstGeom>
-          <a:noFill/>
-        </p:spPr>
-        <p:txBody>
-          <a:bodyPr wrap="square" rtlCol="0">
-            <a:spAutoFit/>
-          </a:bodyPr>
-          <a:lstStyle/>
-          <a:p>
-            <a:r>
-              <a:rPr lang="ru-RU" sz="1600" dirty="0" smtClean="0"/>
-              <a:t>используя выводы через боксы мы получим на выходе тензор.</a:t>
-            </a:r>
-            <a:r>
-              <a:rPr lang="en-US" sz="1600" dirty="0" smtClean="0"/>
-              <a:t>  </a:t>
-            </a:r>
-            <a:r>
-              <a:rPr lang="ru-RU" sz="1600" dirty="0" smtClean="0"/>
-              <a:t>сам по себе формат читаемый, но не подходит для даже простых вычислений.</a:t>
-            </a:r>
-          </a:p>
-          <a:p>
-            <a:r>
-              <a:rPr lang="ru-RU" sz="1600" dirty="0" smtClean="0"/>
-              <a:t>чтобы получить привычные данные можно воспользоваться  готовыми методами</a:t>
-            </a:r>
-          </a:p>
-          <a:p>
-            <a:r>
-              <a:rPr lang="ru-RU" sz="1600" dirty="0" smtClean="0"/>
-              <a:t>1) если элементов много то бери </a:t>
-            </a:r>
-            <a:r>
-              <a:rPr lang="en-US" sz="1600" dirty="0" smtClean="0"/>
-              <a:t>.</a:t>
-            </a:r>
-            <a:r>
-              <a:rPr lang="en-US" sz="1600" dirty="0" err="1" smtClean="0"/>
-              <a:t>tolist</a:t>
-            </a:r>
-            <a:r>
-              <a:rPr lang="en-US" sz="1600" dirty="0" smtClean="0"/>
-              <a:t>()</a:t>
-            </a:r>
-            <a:r>
-              <a:rPr lang="ru-RU" sz="1600" dirty="0" smtClean="0"/>
-              <a:t> – сразу преобразует в привычный </a:t>
-            </a:r>
-            <a:r>
-              <a:rPr lang="en-US" sz="1600" dirty="0" smtClean="0"/>
-              <a:t>list</a:t>
-            </a:r>
-            <a:r>
-              <a:rPr lang="ru-RU" sz="1600" dirty="0" smtClean="0"/>
-              <a:t> из которого можно взять все что угодно</a:t>
-            </a:r>
-          </a:p>
-          <a:p>
-            <a:r>
-              <a:rPr lang="en-US" sz="1600" dirty="0" err="1"/>
-              <a:t>boxes.xywh.tolist</a:t>
-            </a:r>
-            <a:r>
-              <a:rPr lang="en-US" sz="1600" dirty="0" smtClean="0"/>
-              <a:t>()</a:t>
-            </a:r>
-          </a:p>
-          <a:p>
-            <a:r>
-              <a:rPr lang="ru-RU" sz="1600" dirty="0" smtClean="0"/>
-              <a:t>также в тензорах часто можно обращаться по индексам</a:t>
-            </a:r>
-          </a:p>
-          <a:p>
-            <a:r>
-              <a:rPr lang="en-US" sz="1600" dirty="0" err="1" smtClean="0"/>
-              <a:t>boxes.xywh</a:t>
-            </a:r>
-            <a:r>
-              <a:rPr lang="en-US" sz="1600" dirty="0" smtClean="0"/>
-              <a:t>[0</a:t>
-            </a:r>
-            <a:r>
-              <a:rPr lang="en-US" sz="1600" dirty="0"/>
-              <a:t>].</a:t>
-            </a:r>
-            <a:r>
-              <a:rPr lang="en-US" sz="1600" dirty="0" err="1"/>
-              <a:t>tolist</a:t>
-            </a:r>
-            <a:r>
-              <a:rPr lang="en-US" sz="1600" dirty="0"/>
-              <a:t>()</a:t>
-            </a:r>
-          </a:p>
-          <a:p>
-            <a:endParaRPr lang="ru-RU" sz="1600" dirty="0" smtClean="0"/>
-          </a:p>
-          <a:p>
-            <a:r>
-              <a:rPr lang="ru-RU" sz="1600" dirty="0" smtClean="0"/>
-              <a:t>2) если элемент 1 то бери </a:t>
-            </a:r>
-            <a:r>
-              <a:rPr lang="en-US" sz="1600" dirty="0"/>
-              <a:t>.</a:t>
-            </a:r>
-            <a:r>
-              <a:rPr lang="en-US" sz="1600" dirty="0" smtClean="0"/>
-              <a:t>item() – </a:t>
-            </a:r>
-            <a:r>
-              <a:rPr lang="ru-RU" sz="1600" dirty="0" smtClean="0"/>
-              <a:t>сразу преобразует  в примитивный тип (</a:t>
-            </a:r>
-            <a:r>
-              <a:rPr lang="en-US" sz="1600" dirty="0" err="1" smtClean="0"/>
-              <a:t>int</a:t>
-            </a:r>
-            <a:r>
-              <a:rPr lang="en-US" sz="1600" dirty="0" smtClean="0"/>
-              <a:t>, </a:t>
-            </a:r>
-            <a:r>
-              <a:rPr lang="en-US" sz="1600" dirty="0" err="1" smtClean="0"/>
-              <a:t>str</a:t>
-            </a:r>
-            <a:r>
-              <a:rPr lang="en-US" sz="1600" dirty="0" smtClean="0"/>
-              <a:t> </a:t>
-            </a:r>
-            <a:r>
-              <a:rPr lang="ru-RU" sz="1600" dirty="0" err="1" smtClean="0"/>
-              <a:t>итд</a:t>
-            </a:r>
-            <a:r>
-              <a:rPr lang="ru-RU" sz="1600" dirty="0" smtClean="0"/>
-              <a:t>)</a:t>
-            </a:r>
-          </a:p>
-          <a:p>
-            <a:r>
-              <a:rPr lang="en-US" sz="1600" dirty="0" err="1"/>
-              <a:t>boxes.conf</a:t>
-            </a:r>
-            <a:r>
-              <a:rPr lang="en-US" sz="1600" dirty="0"/>
-              <a:t>[0].item()</a:t>
-            </a:r>
-          </a:p>
-          <a:p>
-            <a:r>
-              <a:rPr lang="en-US" sz="1600" dirty="0" err="1" smtClean="0"/>
-              <a:t>boxes.xywh</a:t>
-            </a:r>
-            <a:r>
-              <a:rPr lang="en-US" sz="1600" dirty="0" smtClean="0"/>
-              <a:t>[0</a:t>
-            </a:r>
-            <a:r>
-              <a:rPr lang="en-US" sz="1600" dirty="0"/>
-              <a:t>][0].item</a:t>
-            </a:r>
-            <a:r>
-              <a:rPr lang="en-US" sz="1600" dirty="0" smtClean="0"/>
-              <a:t>()</a:t>
-            </a:r>
-            <a:endParaRPr lang="ru-RU" sz="1600" dirty="0" smtClean="0"/>
-          </a:p>
-          <a:p>
-            <a:endParaRPr lang="ru-RU" sz="1600" dirty="0"/>
-          </a:p>
-          <a:p>
-            <a:r>
-              <a:rPr lang="ru-RU" sz="1600" dirty="0" smtClean="0"/>
-              <a:t>3) или можно сразу собрать удобный словарик</a:t>
-            </a:r>
-          </a:p>
-        </p:txBody>
-      </p:sp>
-      <p:sp>
-        <p:nvSpPr>
-          <p:cNvPr id="6" name="Заголовок 1"/>
-          <p:cNvSpPr txBox="1">
-            <a:spLocks/>
-          </p:cNvSpPr>
-          <p:nvPr/>
-        </p:nvSpPr>
-        <p:spPr>
-          <a:xfrm>
-            <a:off x="-214346" y="71414"/>
-            <a:ext cx="9429816" cy="1470025"/>
-          </a:xfrm>
-          <a:prstGeom prst="rect">
-            <a:avLst/>
-          </a:prstGeom>
-        </p:spPr>
-        <p:txBody>
-          <a:bodyPr vert="horz" lIns="91440" tIns="45720" rIns="91440" bIns="45720" rtlCol="0" anchor="ctr">
-            <a:normAutofit/>
-          </a:bodyPr>
-          <a:lstStyle/>
-          <a:p>
-            <a:pPr marL="0" marR="0" lvl="0" indent="0" algn="ctr" defTabSz="914400" rtl="0" eaLnBrk="1" fontAlgn="auto" latinLnBrk="0" hangingPunct="1">
-              <a:lnSpc>
-                <a:spcPct val="100000"/>
-              </a:lnSpc>
-              <a:spcBef>
-                <a:spcPct val="0"/>
-              </a:spcBef>
-              <a:spcAft>
-                <a:spcPts val="0"/>
-              </a:spcAft>
-              <a:buClrTx/>
-              <a:buSzTx/>
-              <a:buFontTx/>
-              <a:buNone/>
-              <a:tabLst/>
-              <a:defRPr/>
-            </a:pPr>
-            <a:r>
-              <a:rPr kumimoji="0" lang="ru-RU" sz="4000" b="0" i="0" u="none" strike="noStrike" kern="1200" cap="none" spc="0" normalizeH="0" baseline="0" noProof="0" dirty="0" smtClean="0">
-                <a:ln>
-                  <a:noFill/>
-                </a:ln>
-                <a:solidFill>
-                  <a:schemeClr val="tx1"/>
-                </a:solidFill>
-                <a:effectLst/>
-                <a:uLnTx/>
-                <a:uFillTx/>
-                <a:latin typeface="+mj-lt"/>
-                <a:ea typeface="+mj-ea"/>
-                <a:cs typeface="+mj-cs"/>
-              </a:rPr>
-              <a:t>Шаг </a:t>
-            </a:r>
-            <a:r>
-              <a:rPr lang="ru-RU" sz="4000" dirty="0">
-                <a:latin typeface="+mj-lt"/>
-                <a:ea typeface="+mj-ea"/>
-                <a:cs typeface="+mj-cs"/>
-              </a:rPr>
-              <a:t>3</a:t>
-            </a:r>
-            <a:r>
-              <a:rPr kumimoji="0" lang="ru-RU" sz="4000" b="0" i="0" u="none" strike="noStrike" kern="1200" cap="none" spc="0" normalizeH="0" baseline="0" noProof="0" dirty="0" smtClean="0">
-                <a:ln>
-                  <a:noFill/>
-                </a:ln>
-                <a:solidFill>
-                  <a:schemeClr val="tx1"/>
-                </a:solidFill>
-                <a:effectLst/>
-                <a:uLnTx/>
-                <a:uFillTx/>
-                <a:latin typeface="+mj-lt"/>
-                <a:ea typeface="+mj-ea"/>
-                <a:cs typeface="+mj-cs"/>
-              </a:rPr>
-              <a:t> – использование </a:t>
-            </a:r>
-            <a:r>
-              <a:rPr kumimoji="0" lang="ru-RU" sz="4000" b="0" i="0" u="none" strike="noStrike" kern="1200" cap="none" spc="0" normalizeH="0" baseline="0" noProof="0" dirty="0" err="1" smtClean="0">
-                <a:ln>
-                  <a:noFill/>
-                </a:ln>
-                <a:solidFill>
-                  <a:schemeClr val="tx1"/>
-                </a:solidFill>
-                <a:effectLst/>
-                <a:uLnTx/>
-                <a:uFillTx/>
-                <a:latin typeface="+mj-lt"/>
-                <a:ea typeface="+mj-ea"/>
-                <a:cs typeface="+mj-cs"/>
-              </a:rPr>
-              <a:t>нейросети</a:t>
+              <a:t> (бонусный)</a:t>
             </a:r>
             <a:endParaRPr kumimoji="0" lang="ru-RU" sz="4000" b="0" i="0" u="none" strike="noStrike" kern="1200" cap="none" spc="0" normalizeH="0" baseline="0" noProof="0" dirty="0">
               <a:ln>
@@ -7923,16 +8409,82 @@
           </a:p>
         </p:txBody>
       </p:sp>
+      <p:sp>
+        <p:nvSpPr>
+          <p:cNvPr id="11" name="TextBox 10"/>
+          <p:cNvSpPr txBox="1"/>
+          <p:nvPr/>
+        </p:nvSpPr>
+        <p:spPr>
+          <a:xfrm>
+            <a:off x="785786" y="1428736"/>
+            <a:ext cx="7500990" cy="646331"/>
+          </a:xfrm>
+          <a:prstGeom prst="rect">
+            <a:avLst/>
+          </a:prstGeom>
+          <a:noFill/>
+        </p:spPr>
+        <p:txBody>
+          <a:bodyPr wrap="square" rtlCol="0">
+            <a:spAutoFit/>
+          </a:bodyPr>
+          <a:lstStyle/>
+          <a:p>
+            <a:r>
+              <a:rPr lang="ru-RU" dirty="0" smtClean="0"/>
+              <a:t>если что-то пошло не так и </a:t>
+            </a:r>
+            <a:r>
+              <a:rPr lang="ru-RU" dirty="0" err="1" smtClean="0"/>
+              <a:t>нейронка</a:t>
+            </a:r>
+            <a:r>
+              <a:rPr lang="ru-RU" dirty="0" smtClean="0"/>
+              <a:t> вышла тупая, то подсказку могут дать графики</a:t>
+            </a:r>
+          </a:p>
+        </p:txBody>
+      </p:sp>
+      <p:sp>
+        <p:nvSpPr>
+          <p:cNvPr id="12" name="TextBox 11"/>
+          <p:cNvSpPr txBox="1"/>
+          <p:nvPr/>
+        </p:nvSpPr>
+        <p:spPr>
+          <a:xfrm>
+            <a:off x="785786" y="2143116"/>
+            <a:ext cx="8215370" cy="369332"/>
+          </a:xfrm>
+          <a:prstGeom prst="rect">
+            <a:avLst/>
+          </a:prstGeom>
+          <a:noFill/>
+        </p:spPr>
+        <p:txBody>
+          <a:bodyPr wrap="square" rtlCol="0">
+            <a:spAutoFit/>
+          </a:bodyPr>
+          <a:lstStyle/>
+          <a:p>
+            <a:r>
+              <a:rPr lang="ru-RU" dirty="0" smtClean="0"/>
+              <a:t>после обучения их можно найти в папках</a:t>
+            </a:r>
+          </a:p>
+        </p:txBody>
+      </p:sp>
       <p:pic>
         <p:nvPicPr>
-          <p:cNvPr id="17410" name="Picture 2"/>
+          <p:cNvPr id="18434" name="Picture 2"/>
           <p:cNvPicPr>
             <a:picLocks noChangeAspect="1" noChangeArrowheads="1"/>
           </p:cNvPicPr>
           <p:nvPr/>
         </p:nvPicPr>
         <p:blipFill>
-          <a:blip r:embed="rId2"/>
+          <a:blip r:embed="rId2" cstate="print"/>
           <a:srcRect/>
           <a:stretch>
             <a:fillRect/>
@@ -7940,8 +8492,8 @@
         </p:blipFill>
         <p:spPr bwMode="auto">
           <a:xfrm>
-            <a:off x="2714612" y="3719516"/>
-            <a:ext cx="5133975" cy="209550"/>
+            <a:off x="857224" y="2786058"/>
+            <a:ext cx="6643734" cy="3321867"/>
           </a:xfrm>
           <a:prstGeom prst="rect">
             <a:avLst/>
@@ -7956,9 +8508,87 @@
           <a:effectLst/>
         </p:spPr>
       </p:pic>
+      <p:sp>
+        <p:nvSpPr>
+          <p:cNvPr id="14" name="TextBox 13"/>
+          <p:cNvSpPr txBox="1"/>
+          <p:nvPr/>
+        </p:nvSpPr>
+        <p:spPr>
+          <a:xfrm>
+            <a:off x="785786" y="2488164"/>
+            <a:ext cx="8215370" cy="369332"/>
+          </a:xfrm>
+          <a:prstGeom prst="rect">
+            <a:avLst/>
+          </a:prstGeom>
+          <a:noFill/>
+        </p:spPr>
+        <p:txBody>
+          <a:bodyPr wrap="square" rtlCol="0">
+            <a:spAutoFit/>
+          </a:bodyPr>
+          <a:lstStyle/>
+          <a:p>
+            <a:r>
+              <a:rPr lang="ru-RU" dirty="0" smtClean="0"/>
+              <a:t>примерно так должны выглядеть идеальные графики</a:t>
+            </a:r>
+            <a:r>
+              <a:rPr lang="en-US" dirty="0" smtClean="0"/>
+              <a:t>:</a:t>
+            </a:r>
+            <a:r>
+              <a:rPr lang="ru-RU" dirty="0" smtClean="0"/>
+              <a:t> </a:t>
+            </a:r>
+          </a:p>
+        </p:txBody>
+      </p:sp>
+      <p:sp>
+        <p:nvSpPr>
+          <p:cNvPr id="15" name="TextBox 14"/>
+          <p:cNvSpPr txBox="1"/>
+          <p:nvPr/>
+        </p:nvSpPr>
+        <p:spPr>
+          <a:xfrm>
+            <a:off x="1214414" y="6072206"/>
+            <a:ext cx="8215370" cy="369332"/>
+          </a:xfrm>
+          <a:prstGeom prst="rect">
+            <a:avLst/>
+          </a:prstGeom>
+          <a:noFill/>
+        </p:spPr>
+        <p:txBody>
+          <a:bodyPr wrap="square" rtlCol="0">
+            <a:spAutoFit/>
+          </a:bodyPr>
+          <a:lstStyle/>
+          <a:p>
+            <a:r>
+              <a:rPr lang="en-US" dirty="0" smtClean="0"/>
+              <a:t>loss</a:t>
+            </a:r>
+            <a:r>
+              <a:rPr lang="ru-RU" dirty="0" smtClean="0"/>
+              <a:t> становятся меньше, </a:t>
+            </a:r>
+            <a:r>
+              <a:rPr lang="en-US" dirty="0" smtClean="0"/>
+              <a:t>metrics </a:t>
+            </a:r>
+            <a:r>
+              <a:rPr lang="ru-RU" dirty="0" smtClean="0"/>
+              <a:t>становятся больше</a:t>
+            </a:r>
+          </a:p>
+        </p:txBody>
+      </p:sp>
       <p:pic>
         <p:nvPicPr>
-          <p:cNvPr id="17411" name="Picture 3"/>
+          <p:cNvPr id="1026" name="Picture 2"/>
           <p:cNvPicPr>
             <a:picLocks noChangeAspect="1" noChangeArrowheads="1"/>
           </p:cNvPicPr>
@@ -7973,8 +8603,8 @@
         </p:blipFill>
         <p:spPr bwMode="auto">
           <a:xfrm>
-            <a:off x="2928926" y="4723510"/>
-            <a:ext cx="1200150" cy="190500"/>
+            <a:off x="6000760" y="1928802"/>
+            <a:ext cx="1519235" cy="523874"/>
           </a:xfrm>
           <a:prstGeom prst="rect">
             <a:avLst/>
@@ -7989,555 +8619,6 @@
           <a:effectLst/>
         </p:spPr>
       </p:pic>
-      <p:pic>
-        <p:nvPicPr>
-          <p:cNvPr id="17412" name="Picture 4"/>
-          <p:cNvPicPr>
-            <a:picLocks noChangeAspect="1" noChangeArrowheads="1"/>
-          </p:cNvPicPr>
-          <p:nvPr/>
-        </p:nvPicPr>
-        <p:blipFill>
-          <a:blip r:embed="rId4"/>
-          <a:srcRect/>
-          <a:stretch>
-            <a:fillRect/>
-          </a:stretch>
-        </p:blipFill>
-        <p:spPr bwMode="auto">
-          <a:xfrm>
-            <a:off x="2928926" y="4472262"/>
-            <a:ext cx="1209675" cy="180975"/>
-          </a:xfrm>
-          <a:prstGeom prst="rect">
-            <a:avLst/>
-          </a:prstGeom>
-          <a:noFill/>
-          <a:ln w="9525">
-            <a:noFill/>
-            <a:miter lim="800000"/>
-            <a:headEnd/>
-            <a:tailEnd/>
-          </a:ln>
-          <a:effectLst/>
-        </p:spPr>
-      </p:pic>
-      <p:pic>
-        <p:nvPicPr>
-          <p:cNvPr id="17413" name="Picture 5"/>
-          <p:cNvPicPr>
-            <a:picLocks noChangeAspect="1" noChangeArrowheads="1"/>
-          </p:cNvPicPr>
-          <p:nvPr/>
-        </p:nvPicPr>
-        <p:blipFill>
-          <a:blip r:embed="rId5"/>
-          <a:srcRect/>
-          <a:stretch>
-            <a:fillRect/>
-          </a:stretch>
-        </p:blipFill>
-        <p:spPr bwMode="auto">
-          <a:xfrm>
-            <a:off x="2357422" y="3259748"/>
-            <a:ext cx="17519650" cy="209550"/>
-          </a:xfrm>
-          <a:prstGeom prst="rect">
-            <a:avLst/>
-          </a:prstGeom>
-          <a:noFill/>
-          <a:ln w="9525">
-            <a:noFill/>
-            <a:miter lim="800000"/>
-            <a:headEnd/>
-            <a:tailEnd/>
-          </a:ln>
-          <a:effectLst/>
-        </p:spPr>
-      </p:pic>
-      <p:sp>
-        <p:nvSpPr>
-          <p:cNvPr id="11" name="TextBox 10"/>
-          <p:cNvSpPr txBox="1"/>
-          <p:nvPr/>
-        </p:nvSpPr>
-        <p:spPr>
-          <a:xfrm>
-            <a:off x="4643438" y="3009125"/>
-            <a:ext cx="8215370" cy="276999"/>
-          </a:xfrm>
-          <a:prstGeom prst="rect">
-            <a:avLst/>
-          </a:prstGeom>
-          <a:noFill/>
-        </p:spPr>
-        <p:txBody>
-          <a:bodyPr wrap="square" rtlCol="0">
-            <a:spAutoFit/>
-          </a:bodyPr>
-          <a:lstStyle/>
-          <a:p>
-            <a:r>
-              <a:rPr lang="ru-RU" sz="1200" i="1" dirty="0" smtClean="0">
-                <a:solidFill>
-                  <a:schemeClr val="accent2">
-                    <a:lumMod val="50000"/>
-                  </a:schemeClr>
-                </a:solidFill>
-              </a:rPr>
-              <a:t>очень длинный список</a:t>
-            </a:r>
-            <a:endParaRPr lang="en-US" sz="1200" i="1" dirty="0" smtClean="0">
-              <a:solidFill>
-                <a:schemeClr val="accent2">
-                  <a:lumMod val="50000"/>
-                </a:schemeClr>
-              </a:solidFill>
-            </a:endParaRPr>
-          </a:p>
-        </p:txBody>
-      </p:sp>
-      <p:pic>
-        <p:nvPicPr>
-          <p:cNvPr id="17414" name="Picture 6"/>
-          <p:cNvPicPr>
-            <a:picLocks noChangeAspect="1" noChangeArrowheads="1"/>
-          </p:cNvPicPr>
-          <p:nvPr/>
-        </p:nvPicPr>
-        <p:blipFill>
-          <a:blip r:embed="rId6"/>
-          <a:srcRect/>
-          <a:stretch>
-            <a:fillRect/>
-          </a:stretch>
-        </p:blipFill>
-        <p:spPr bwMode="auto">
-          <a:xfrm>
-            <a:off x="4714876" y="5143512"/>
-            <a:ext cx="3796219" cy="1614484"/>
-          </a:xfrm>
-          <a:prstGeom prst="rect">
-            <a:avLst/>
-          </a:prstGeom>
-          <a:noFill/>
-          <a:ln w="9525">
-            <a:noFill/>
-            <a:miter lim="800000"/>
-            <a:headEnd/>
-            <a:tailEnd/>
-          </a:ln>
-          <a:effectLst/>
-        </p:spPr>
-      </p:pic>
-      <p:sp>
-        <p:nvSpPr>
-          <p:cNvPr id="13" name="TextBox 12"/>
-          <p:cNvSpPr txBox="1"/>
-          <p:nvPr/>
-        </p:nvSpPr>
-        <p:spPr>
-          <a:xfrm>
-            <a:off x="642910" y="5429264"/>
-            <a:ext cx="4000528" cy="1384995"/>
-          </a:xfrm>
-          <a:prstGeom prst="rect">
-            <a:avLst/>
-          </a:prstGeom>
-          <a:noFill/>
-        </p:spPr>
-        <p:txBody>
-          <a:bodyPr wrap="square" rtlCol="0">
-            <a:spAutoFit/>
-          </a:bodyPr>
-          <a:lstStyle/>
-          <a:p>
-            <a:r>
-              <a:rPr lang="en-US" sz="1200" dirty="0" err="1" smtClean="0"/>
-              <a:t>boxes_data</a:t>
-            </a:r>
-            <a:r>
-              <a:rPr lang="en-US" sz="1200" dirty="0" smtClean="0"/>
-              <a:t> </a:t>
-            </a:r>
-            <a:r>
-              <a:rPr lang="en-US" sz="1200" dirty="0"/>
-              <a:t>=</a:t>
-            </a:r>
-            <a:r>
-              <a:rPr lang="en-US" sz="1200" dirty="0" smtClean="0"/>
-              <a:t> </a:t>
-            </a:r>
-            <a:r>
-              <a:rPr lang="en-US" sz="1200" dirty="0"/>
-              <a:t>[]</a:t>
-            </a:r>
-            <a:r>
-              <a:rPr lang="en-US" sz="1200" dirty="0" smtClean="0"/>
-              <a:t> </a:t>
-            </a:r>
-            <a:endParaRPr lang="ru-RU" sz="1200" dirty="0" smtClean="0"/>
-          </a:p>
-          <a:p>
-            <a:r>
-              <a:rPr lang="en-US" sz="1200" dirty="0" smtClean="0"/>
-              <a:t>for </a:t>
-            </a:r>
-            <a:r>
-              <a:rPr lang="en-US" sz="1200" dirty="0" err="1" smtClean="0"/>
-              <a:t>i</a:t>
-            </a:r>
-            <a:r>
-              <a:rPr lang="en-US" sz="1200" dirty="0" smtClean="0"/>
-              <a:t> </a:t>
-            </a:r>
-            <a:r>
-              <a:rPr lang="en-US" sz="1200" dirty="0"/>
-              <a:t>in</a:t>
-            </a:r>
-            <a:r>
-              <a:rPr lang="en-US" sz="1200" dirty="0" smtClean="0"/>
-              <a:t> </a:t>
-            </a:r>
-            <a:r>
-              <a:rPr lang="en-US" sz="1200" dirty="0"/>
-              <a:t>range(</a:t>
-            </a:r>
-            <a:r>
-              <a:rPr lang="en-US" sz="1200" dirty="0" err="1"/>
-              <a:t>len</a:t>
-            </a:r>
-            <a:r>
-              <a:rPr lang="en-US" sz="1200" dirty="0"/>
-              <a:t>(</a:t>
-            </a:r>
-            <a:r>
-              <a:rPr lang="en-US" sz="1200" dirty="0" smtClean="0"/>
-              <a:t>boxes</a:t>
-            </a:r>
-            <a:r>
-              <a:rPr lang="en-US" sz="1200" dirty="0"/>
-              <a:t>)):</a:t>
-            </a:r>
-            <a:r>
-              <a:rPr lang="en-US" sz="1200" dirty="0" smtClean="0"/>
-              <a:t> </a:t>
-            </a:r>
-            <a:r>
-              <a:rPr lang="en-US" sz="1200" dirty="0" err="1" smtClean="0"/>
-              <a:t>box_info</a:t>
-            </a:r>
-            <a:r>
-              <a:rPr lang="en-US" sz="1200" dirty="0" smtClean="0"/>
-              <a:t> </a:t>
-            </a:r>
-            <a:r>
-              <a:rPr lang="en-US" sz="1200" dirty="0"/>
-              <a:t>=</a:t>
-            </a:r>
-            <a:r>
-              <a:rPr lang="en-US" sz="1200" dirty="0" smtClean="0"/>
-              <a:t> </a:t>
-            </a:r>
-            <a:r>
-              <a:rPr lang="en-US" sz="1200" dirty="0"/>
-              <a:t>{</a:t>
-            </a:r>
-            <a:r>
-              <a:rPr lang="en-US" sz="1200" dirty="0" smtClean="0"/>
-              <a:t> </a:t>
-            </a:r>
-            <a:r>
-              <a:rPr lang="en-US" sz="1200" dirty="0"/>
-              <a:t>'</a:t>
-            </a:r>
-            <a:r>
-              <a:rPr lang="en-US" sz="1200" dirty="0" err="1"/>
-              <a:t>bbox</a:t>
-            </a:r>
-            <a:r>
-              <a:rPr lang="en-US" sz="1200" dirty="0"/>
-              <a:t>':</a:t>
-            </a:r>
-            <a:r>
-              <a:rPr lang="en-US" sz="1200" dirty="0" smtClean="0"/>
-              <a:t> </a:t>
-            </a:r>
-            <a:r>
-              <a:rPr lang="en-US" sz="1200" dirty="0" err="1" smtClean="0"/>
-              <a:t>boxes</a:t>
-            </a:r>
-            <a:r>
-              <a:rPr lang="en-US" sz="1200" dirty="0" err="1"/>
-              <a:t>.</a:t>
-            </a:r>
-            <a:r>
-              <a:rPr lang="en-US" sz="1200" dirty="0" err="1" smtClean="0"/>
-              <a:t>xyxy</a:t>
-            </a:r>
-            <a:r>
-              <a:rPr lang="en-US" sz="1200" dirty="0"/>
-              <a:t>[</a:t>
-            </a:r>
-            <a:r>
-              <a:rPr lang="en-US" sz="1200" dirty="0" err="1" smtClean="0"/>
-              <a:t>i</a:t>
-            </a:r>
-            <a:r>
-              <a:rPr lang="en-US" sz="1200" dirty="0"/>
-              <a:t>].</a:t>
-            </a:r>
-            <a:r>
-              <a:rPr lang="en-US" sz="1200" dirty="0" err="1" smtClean="0"/>
-              <a:t>tolist</a:t>
-            </a:r>
-            <a:r>
-              <a:rPr lang="en-US" sz="1200" dirty="0"/>
-              <a:t>(),</a:t>
-            </a:r>
-            <a:r>
-              <a:rPr lang="en-US" sz="1200" dirty="0" smtClean="0"/>
-              <a:t> </a:t>
-            </a:r>
-            <a:r>
-              <a:rPr lang="en-US" sz="1200" dirty="0"/>
-              <a:t># [x1, y1, x2, y2]</a:t>
-            </a:r>
-            <a:r>
-              <a:rPr lang="en-US" sz="1200" dirty="0" smtClean="0"/>
-              <a:t> </a:t>
-            </a:r>
-            <a:r>
-              <a:rPr lang="en-US" sz="1200" dirty="0"/>
-              <a:t>'confidence':</a:t>
-            </a:r>
-            <a:r>
-              <a:rPr lang="en-US" sz="1200" dirty="0" smtClean="0"/>
-              <a:t> </a:t>
-            </a:r>
-            <a:r>
-              <a:rPr lang="en-US" sz="1200" dirty="0" err="1" smtClean="0"/>
-              <a:t>boxes</a:t>
-            </a:r>
-            <a:r>
-              <a:rPr lang="en-US" sz="1200" dirty="0" err="1"/>
-              <a:t>.</a:t>
-            </a:r>
-            <a:r>
-              <a:rPr lang="en-US" sz="1200" dirty="0" err="1" smtClean="0"/>
-              <a:t>conf</a:t>
-            </a:r>
-            <a:r>
-              <a:rPr lang="en-US" sz="1200" dirty="0"/>
-              <a:t>[</a:t>
-            </a:r>
-            <a:r>
-              <a:rPr lang="en-US" sz="1200" dirty="0" err="1" smtClean="0"/>
-              <a:t>i</a:t>
-            </a:r>
-            <a:r>
-              <a:rPr lang="en-US" sz="1200" dirty="0"/>
-              <a:t>].</a:t>
-            </a:r>
-            <a:r>
-              <a:rPr lang="en-US" sz="1200" dirty="0" smtClean="0"/>
-              <a:t>item</a:t>
-            </a:r>
-            <a:r>
-              <a:rPr lang="en-US" sz="1200" dirty="0"/>
-              <a:t>(),</a:t>
-            </a:r>
-            <a:r>
-              <a:rPr lang="en-US" sz="1200" dirty="0" smtClean="0"/>
-              <a:t> </a:t>
-            </a:r>
-            <a:r>
-              <a:rPr lang="en-US" sz="1200" dirty="0"/>
-              <a:t># </a:t>
-            </a:r>
-            <a:r>
-              <a:rPr lang="ru-RU" sz="1200" dirty="0"/>
-              <a:t>уверенность</a:t>
-            </a:r>
-            <a:r>
-              <a:rPr lang="ru-RU" sz="1200" dirty="0" smtClean="0"/>
-              <a:t> </a:t>
-            </a:r>
-            <a:r>
-              <a:rPr lang="ru-RU" sz="1200" dirty="0"/>
-              <a:t>'</a:t>
-            </a:r>
-            <a:r>
-              <a:rPr lang="en-US" sz="1200" dirty="0" err="1"/>
-              <a:t>class_id</a:t>
-            </a:r>
-            <a:r>
-              <a:rPr lang="en-US" sz="1200" dirty="0"/>
-              <a:t>':</a:t>
-            </a:r>
-            <a:r>
-              <a:rPr lang="en-US" sz="1200" dirty="0" smtClean="0"/>
-              <a:t> boxes</a:t>
-            </a:r>
-            <a:r>
-              <a:rPr lang="en-US" sz="1200" dirty="0"/>
-              <a:t>.</a:t>
-            </a:r>
-            <a:r>
-              <a:rPr lang="en-US" sz="1200" dirty="0" smtClean="0"/>
-              <a:t>cls</a:t>
-            </a:r>
-            <a:r>
-              <a:rPr lang="en-US" sz="1200" dirty="0"/>
-              <a:t>[</a:t>
-            </a:r>
-            <a:r>
-              <a:rPr lang="en-US" sz="1200" dirty="0" err="1" smtClean="0"/>
-              <a:t>i</a:t>
-            </a:r>
-            <a:r>
-              <a:rPr lang="en-US" sz="1200" dirty="0"/>
-              <a:t>].</a:t>
-            </a:r>
-            <a:r>
-              <a:rPr lang="en-US" sz="1200" dirty="0" smtClean="0"/>
-              <a:t>item</a:t>
-            </a:r>
-            <a:r>
-              <a:rPr lang="en-US" sz="1200" dirty="0"/>
-              <a:t>(),</a:t>
-            </a:r>
-            <a:r>
-              <a:rPr lang="en-US" sz="1200" dirty="0" smtClean="0"/>
-              <a:t> </a:t>
-            </a:r>
-            <a:r>
-              <a:rPr lang="en-US" sz="1200" dirty="0"/>
-              <a:t># </a:t>
-            </a:r>
-            <a:r>
-              <a:rPr lang="ru-RU" sz="1200" dirty="0"/>
-              <a:t>номер класса</a:t>
-            </a:r>
-            <a:r>
-              <a:rPr lang="ru-RU" sz="1200" dirty="0" smtClean="0"/>
-              <a:t> </a:t>
-            </a:r>
-            <a:r>
-              <a:rPr lang="ru-RU" sz="1200" dirty="0"/>
-              <a:t>'</a:t>
-            </a:r>
-            <a:r>
-              <a:rPr lang="en-US" sz="1200" dirty="0" err="1"/>
-              <a:t>class_name</a:t>
-            </a:r>
-            <a:r>
-              <a:rPr lang="en-US" sz="1200" dirty="0"/>
-              <a:t>':</a:t>
-            </a:r>
-            <a:r>
-              <a:rPr lang="en-US" sz="1200" dirty="0" smtClean="0"/>
-              <a:t> </a:t>
-            </a:r>
-            <a:r>
-              <a:rPr lang="en-US" sz="1200" dirty="0" err="1" smtClean="0"/>
-              <a:t>result</a:t>
-            </a:r>
-            <a:r>
-              <a:rPr lang="en-US" sz="1200" dirty="0" err="1"/>
-              <a:t>.</a:t>
-            </a:r>
-            <a:r>
-              <a:rPr lang="en-US" sz="1200" dirty="0" err="1" smtClean="0"/>
-              <a:t>names</a:t>
-            </a:r>
-            <a:r>
-              <a:rPr lang="en-US" sz="1200" dirty="0"/>
-              <a:t>[</a:t>
-            </a:r>
-            <a:r>
-              <a:rPr lang="en-US" sz="1200" dirty="0" err="1"/>
-              <a:t>int</a:t>
-            </a:r>
-            <a:r>
-              <a:rPr lang="en-US" sz="1200" dirty="0"/>
-              <a:t>(</a:t>
-            </a:r>
-            <a:r>
-              <a:rPr lang="en-US" sz="1200" dirty="0" smtClean="0"/>
-              <a:t>boxes</a:t>
-            </a:r>
-            <a:r>
-              <a:rPr lang="en-US" sz="1200" dirty="0"/>
-              <a:t>.</a:t>
-            </a:r>
-            <a:r>
-              <a:rPr lang="en-US" sz="1200" dirty="0" smtClean="0"/>
-              <a:t>cls</a:t>
-            </a:r>
-            <a:r>
-              <a:rPr lang="en-US" sz="1200" dirty="0"/>
-              <a:t>[</a:t>
-            </a:r>
-            <a:r>
-              <a:rPr lang="en-US" sz="1200" dirty="0" err="1" smtClean="0"/>
-              <a:t>i</a:t>
-            </a:r>
-            <a:r>
-              <a:rPr lang="en-US" sz="1200" dirty="0"/>
-              <a:t>])]</a:t>
-            </a:r>
-            <a:r>
-              <a:rPr lang="en-US" sz="1200" dirty="0" smtClean="0"/>
-              <a:t> </a:t>
-            </a:r>
-            <a:r>
-              <a:rPr lang="en-US" sz="1200" dirty="0"/>
-              <a:t># </a:t>
-            </a:r>
-            <a:r>
-              <a:rPr lang="ru-RU" sz="1200" dirty="0"/>
-              <a:t>имя класса</a:t>
-            </a:r>
-            <a:r>
-              <a:rPr lang="ru-RU" sz="1200" dirty="0" smtClean="0"/>
-              <a:t> </a:t>
-            </a:r>
-            <a:r>
-              <a:rPr lang="ru-RU" sz="1200" dirty="0"/>
-              <a:t>}</a:t>
-            </a:r>
-            <a:r>
-              <a:rPr lang="ru-RU" sz="1200" dirty="0" smtClean="0"/>
-              <a:t> </a:t>
-            </a:r>
-            <a:r>
-              <a:rPr lang="en-US" sz="1200" dirty="0" err="1" smtClean="0"/>
-              <a:t>boxes_data</a:t>
-            </a:r>
-            <a:r>
-              <a:rPr lang="en-US" sz="1200" dirty="0" err="1"/>
-              <a:t>.</a:t>
-            </a:r>
-            <a:r>
-              <a:rPr lang="en-US" sz="1200" dirty="0" err="1" smtClean="0"/>
-              <a:t>append</a:t>
-            </a:r>
-            <a:r>
-              <a:rPr lang="en-US" sz="1200" dirty="0"/>
-              <a:t>(</a:t>
-            </a:r>
-            <a:r>
-              <a:rPr lang="en-US" sz="1200" dirty="0" err="1" smtClean="0"/>
-              <a:t>box_info</a:t>
-            </a:r>
-            <a:r>
-              <a:rPr lang="en-US" sz="1200" dirty="0"/>
-              <a:t>)</a:t>
-            </a:r>
-          </a:p>
-        </p:txBody>
-      </p:sp>
     </p:spTree>
   </p:cSld>
   <p:clrMapOvr>
@@ -8735,332 +8816,6 @@
           </a:p>
         </p:txBody>
       </p:sp>
-    </p:spTree>
-  </p:cSld>
-  <p:clrMapOvr>
-    <a:masterClrMapping/>
-  </p:clrMapOvr>
-</p:sld>
-</file>
-
-<file path=ppt/slides/slide20.xml><?xml version="1.0" encoding="utf-8"?>
-<p:sld xmlns:a="http://schemas.openxmlformats.org/drawingml/2006/main" xmlns:r="http://schemas.openxmlformats.org/officeDocument/2006/relationships" xmlns:p="http://schemas.openxmlformats.org/presentationml/2006/main">
-  <p:cSld>
-    <p:spTree>
-      <p:nvGrpSpPr>
-        <p:cNvPr id="1" name=""/>
-        <p:cNvGrpSpPr/>
-        <p:nvPr/>
-      </p:nvGrpSpPr>
-      <p:grpSpPr>
-        <a:xfrm>
-          <a:off x="0" y="0"/>
-          <a:ext cx="0" cy="0"/>
-          <a:chOff x="0" y="0"/>
-          <a:chExt cx="0" cy="0"/>
-        </a:xfrm>
-      </p:grpSpPr>
-      <p:sp>
-        <p:nvSpPr>
-          <p:cNvPr id="6" name="Заголовок 1"/>
-          <p:cNvSpPr txBox="1">
-            <a:spLocks/>
-          </p:cNvSpPr>
-          <p:nvPr/>
-        </p:nvSpPr>
-        <p:spPr>
-          <a:xfrm>
-            <a:off x="-214346" y="71414"/>
-            <a:ext cx="9429816" cy="1470025"/>
-          </a:xfrm>
-          <a:prstGeom prst="rect">
-            <a:avLst/>
-          </a:prstGeom>
-        </p:spPr>
-        <p:txBody>
-          <a:bodyPr vert="horz" lIns="91440" tIns="45720" rIns="91440" bIns="45720" rtlCol="0" anchor="ctr">
-            <a:normAutofit/>
-          </a:bodyPr>
-          <a:lstStyle/>
-          <a:p>
-            <a:pPr marL="0" marR="0" lvl="0" indent="0" algn="ctr" defTabSz="914400" rtl="0" eaLnBrk="1" fontAlgn="auto" latinLnBrk="0" hangingPunct="1">
-              <a:lnSpc>
-                <a:spcPct val="100000"/>
-              </a:lnSpc>
-              <a:spcBef>
-                <a:spcPct val="0"/>
-              </a:spcBef>
-              <a:spcAft>
-                <a:spcPts val="0"/>
-              </a:spcAft>
-              <a:buClrTx/>
-              <a:buSzTx/>
-              <a:buFontTx/>
-              <a:buNone/>
-              <a:tabLst/>
-              <a:defRPr/>
-            </a:pPr>
-            <a:r>
-              <a:rPr kumimoji="0" lang="ru-RU" sz="4000" b="0" i="0" u="none" strike="noStrike" kern="1200" cap="none" spc="0" normalizeH="0" baseline="0" noProof="0" dirty="0" smtClean="0">
-                <a:ln>
-                  <a:noFill/>
-                </a:ln>
-                <a:solidFill>
-                  <a:schemeClr val="tx1"/>
-                </a:solidFill>
-                <a:effectLst/>
-                <a:uLnTx/>
-                <a:uFillTx/>
-                <a:latin typeface="+mj-lt"/>
-                <a:ea typeface="+mj-ea"/>
-                <a:cs typeface="+mj-cs"/>
-              </a:rPr>
-              <a:t>Шаг 4 – аналитика</a:t>
-            </a:r>
-            <a:r>
-              <a:rPr kumimoji="0" lang="ru-RU" sz="4000" b="0" i="0" u="none" strike="noStrike" kern="1200" cap="none" spc="0" normalizeH="0" noProof="0" dirty="0" smtClean="0">
-                <a:ln>
-                  <a:noFill/>
-                </a:ln>
-                <a:solidFill>
-                  <a:schemeClr val="tx1"/>
-                </a:solidFill>
-                <a:effectLst/>
-                <a:uLnTx/>
-                <a:uFillTx/>
-                <a:latin typeface="+mj-lt"/>
-                <a:ea typeface="+mj-ea"/>
-                <a:cs typeface="+mj-cs"/>
-              </a:rPr>
-              <a:t> (бонусный)</a:t>
-            </a:r>
-            <a:endParaRPr kumimoji="0" lang="ru-RU" sz="4000" b="0" i="0" u="none" strike="noStrike" kern="1200" cap="none" spc="0" normalizeH="0" baseline="0" noProof="0" dirty="0">
-              <a:ln>
-                <a:noFill/>
-              </a:ln>
-              <a:solidFill>
-                <a:schemeClr val="tx1"/>
-              </a:solidFill>
-              <a:effectLst/>
-              <a:uLnTx/>
-              <a:uFillTx/>
-              <a:latin typeface="+mj-lt"/>
-              <a:ea typeface="+mj-ea"/>
-              <a:cs typeface="+mj-cs"/>
-            </a:endParaRPr>
-          </a:p>
-        </p:txBody>
-      </p:sp>
-      <p:sp>
-        <p:nvSpPr>
-          <p:cNvPr id="11" name="TextBox 10"/>
-          <p:cNvSpPr txBox="1"/>
-          <p:nvPr/>
-        </p:nvSpPr>
-        <p:spPr>
-          <a:xfrm>
-            <a:off x="785786" y="1428736"/>
-            <a:ext cx="7500990" cy="646331"/>
-          </a:xfrm>
-          <a:prstGeom prst="rect">
-            <a:avLst/>
-          </a:prstGeom>
-          <a:noFill/>
-        </p:spPr>
-        <p:txBody>
-          <a:bodyPr wrap="square" rtlCol="0">
-            <a:spAutoFit/>
-          </a:bodyPr>
-          <a:lstStyle/>
-          <a:p>
-            <a:r>
-              <a:rPr lang="ru-RU" dirty="0" smtClean="0"/>
-              <a:t>если что-то пошло не так и </a:t>
-            </a:r>
-            <a:r>
-              <a:rPr lang="ru-RU" dirty="0" err="1" smtClean="0"/>
-              <a:t>нейронка</a:t>
-            </a:r>
-            <a:r>
-              <a:rPr lang="ru-RU" dirty="0" smtClean="0"/>
-              <a:t> вышла тупая, то подсказку могут дать графики</a:t>
-            </a:r>
-          </a:p>
-        </p:txBody>
-      </p:sp>
-      <p:sp>
-        <p:nvSpPr>
-          <p:cNvPr id="12" name="TextBox 11"/>
-          <p:cNvSpPr txBox="1"/>
-          <p:nvPr/>
-        </p:nvSpPr>
-        <p:spPr>
-          <a:xfrm>
-            <a:off x="785786" y="2143116"/>
-            <a:ext cx="8215370" cy="369332"/>
-          </a:xfrm>
-          <a:prstGeom prst="rect">
-            <a:avLst/>
-          </a:prstGeom>
-          <a:noFill/>
-        </p:spPr>
-        <p:txBody>
-          <a:bodyPr wrap="square" rtlCol="0">
-            <a:spAutoFit/>
-          </a:bodyPr>
-          <a:lstStyle/>
-          <a:p>
-            <a:r>
-              <a:rPr lang="ru-RU" dirty="0" smtClean="0"/>
-              <a:t>после обучения их можно найти в папках</a:t>
-            </a:r>
-          </a:p>
-        </p:txBody>
-      </p:sp>
-      <p:pic>
-        <p:nvPicPr>
-          <p:cNvPr id="18434" name="Picture 2"/>
-          <p:cNvPicPr>
-            <a:picLocks noChangeAspect="1" noChangeArrowheads="1"/>
-          </p:cNvPicPr>
-          <p:nvPr/>
-        </p:nvPicPr>
-        <p:blipFill>
-          <a:blip r:embed="rId2" cstate="print"/>
-          <a:srcRect/>
-          <a:stretch>
-            <a:fillRect/>
-          </a:stretch>
-        </p:blipFill>
-        <p:spPr bwMode="auto">
-          <a:xfrm>
-            <a:off x="857224" y="2786058"/>
-            <a:ext cx="6643734" cy="3321867"/>
-          </a:xfrm>
-          <a:prstGeom prst="rect">
-            <a:avLst/>
-          </a:prstGeom>
-          <a:noFill/>
-          <a:ln w="9525">
-            <a:noFill/>
-            <a:miter lim="800000"/>
-            <a:headEnd/>
-            <a:tailEnd/>
-          </a:ln>
-          <a:effectLst/>
-        </p:spPr>
-      </p:pic>
-      <p:sp>
-        <p:nvSpPr>
-          <p:cNvPr id="14" name="TextBox 13"/>
-          <p:cNvSpPr txBox="1"/>
-          <p:nvPr/>
-        </p:nvSpPr>
-        <p:spPr>
-          <a:xfrm>
-            <a:off x="785786" y="2488164"/>
-            <a:ext cx="8215370" cy="369332"/>
-          </a:xfrm>
-          <a:prstGeom prst="rect">
-            <a:avLst/>
-          </a:prstGeom>
-          <a:noFill/>
-        </p:spPr>
-        <p:txBody>
-          <a:bodyPr wrap="square" rtlCol="0">
-            <a:spAutoFit/>
-          </a:bodyPr>
-          <a:lstStyle/>
-          <a:p>
-            <a:r>
-              <a:rPr lang="ru-RU" dirty="0" smtClean="0"/>
-              <a:t>примерно так должны выглядеть идеальные графики</a:t>
-            </a:r>
-            <a:r>
-              <a:rPr lang="en-US" dirty="0" smtClean="0"/>
-              <a:t>:</a:t>
-            </a:r>
-            <a:r>
-              <a:rPr lang="ru-RU" dirty="0" smtClean="0"/>
-              <a:t> </a:t>
-            </a:r>
-          </a:p>
-        </p:txBody>
-      </p:sp>
-      <p:sp>
-        <p:nvSpPr>
-          <p:cNvPr id="15" name="TextBox 14"/>
-          <p:cNvSpPr txBox="1"/>
-          <p:nvPr/>
-        </p:nvSpPr>
-        <p:spPr>
-          <a:xfrm>
-            <a:off x="1214414" y="6072206"/>
-            <a:ext cx="8215370" cy="369332"/>
-          </a:xfrm>
-          <a:prstGeom prst="rect">
-            <a:avLst/>
-          </a:prstGeom>
-          <a:noFill/>
-        </p:spPr>
-        <p:txBody>
-          <a:bodyPr wrap="square" rtlCol="0">
-            <a:spAutoFit/>
-          </a:bodyPr>
-          <a:lstStyle/>
-          <a:p>
-            <a:r>
-              <a:rPr lang="en-US" dirty="0" smtClean="0"/>
-              <a:t>loss</a:t>
-            </a:r>
-            <a:r>
-              <a:rPr lang="ru-RU" dirty="0" smtClean="0"/>
-              <a:t> становятся меньше, </a:t>
-            </a:r>
-            <a:r>
-              <a:rPr lang="en-US" dirty="0" smtClean="0"/>
-              <a:t>metrics </a:t>
-            </a:r>
-            <a:r>
-              <a:rPr lang="ru-RU" dirty="0" smtClean="0"/>
-              <a:t>становятся больше</a:t>
-            </a:r>
-          </a:p>
-        </p:txBody>
-      </p:sp>
-      <p:pic>
-        <p:nvPicPr>
-          <p:cNvPr id="1026" name="Picture 2"/>
-          <p:cNvPicPr>
-            <a:picLocks noChangeAspect="1" noChangeArrowheads="1"/>
-          </p:cNvPicPr>
-          <p:nvPr/>
-        </p:nvPicPr>
-        <p:blipFill>
-          <a:blip r:embed="rId3"/>
-          <a:srcRect/>
-          <a:stretch>
-            <a:fillRect/>
-          </a:stretch>
-        </p:blipFill>
-        <p:spPr bwMode="auto">
-          <a:xfrm>
-            <a:off x="6000760" y="1928802"/>
-            <a:ext cx="1519235" cy="523874"/>
-          </a:xfrm>
-          <a:prstGeom prst="rect">
-            <a:avLst/>
-          </a:prstGeom>
-          <a:noFill/>
-          <a:ln w="9525">
-            <a:noFill/>
-            <a:miter lim="800000"/>
-            <a:headEnd/>
-            <a:tailEnd/>
-          </a:ln>
-          <a:effectLst/>
-        </p:spPr>
-      </p:pic>
     </p:spTree>
   </p:cSld>
   <p:clrMapOvr>

--- a/Инструкция по созданию своей нейросети.pptx
+++ b/Инструкция по созданию своей нейросети.pptx
@@ -307,7 +307,7 @@
             <a:fld id="{915DFC5A-0BA3-48DF-8776-7D62A734E1D0}" type="datetimeFigureOut">
               <a:rPr lang="ru-RU" smtClean="0"/>
               <a:pPr/>
-              <a:t>06.02.2026</a:t>
+              <a:t>08.02.2026</a:t>
             </a:fld>
             <a:endParaRPr lang="ru-RU"/>
           </a:p>
@@ -474,7 +474,7 @@
             <a:fld id="{915DFC5A-0BA3-48DF-8776-7D62A734E1D0}" type="datetimeFigureOut">
               <a:rPr lang="ru-RU" smtClean="0"/>
               <a:pPr/>
-              <a:t>06.02.2026</a:t>
+              <a:t>08.02.2026</a:t>
             </a:fld>
             <a:endParaRPr lang="ru-RU"/>
           </a:p>
@@ -651,7 +651,7 @@
             <a:fld id="{915DFC5A-0BA3-48DF-8776-7D62A734E1D0}" type="datetimeFigureOut">
               <a:rPr lang="ru-RU" smtClean="0"/>
               <a:pPr/>
-              <a:t>06.02.2026</a:t>
+              <a:t>08.02.2026</a:t>
             </a:fld>
             <a:endParaRPr lang="ru-RU"/>
           </a:p>
@@ -818,7 +818,7 @@
             <a:fld id="{915DFC5A-0BA3-48DF-8776-7D62A734E1D0}" type="datetimeFigureOut">
               <a:rPr lang="ru-RU" smtClean="0"/>
               <a:pPr/>
-              <a:t>06.02.2026</a:t>
+              <a:t>08.02.2026</a:t>
             </a:fld>
             <a:endParaRPr lang="ru-RU"/>
           </a:p>
@@ -1061,7 +1061,7 @@
             <a:fld id="{915DFC5A-0BA3-48DF-8776-7D62A734E1D0}" type="datetimeFigureOut">
               <a:rPr lang="ru-RU" smtClean="0"/>
               <a:pPr/>
-              <a:t>06.02.2026</a:t>
+              <a:t>08.02.2026</a:t>
             </a:fld>
             <a:endParaRPr lang="ru-RU"/>
           </a:p>
@@ -1346,7 +1346,7 @@
             <a:fld id="{915DFC5A-0BA3-48DF-8776-7D62A734E1D0}" type="datetimeFigureOut">
               <a:rPr lang="ru-RU" smtClean="0"/>
               <a:pPr/>
-              <a:t>06.02.2026</a:t>
+              <a:t>08.02.2026</a:t>
             </a:fld>
             <a:endParaRPr lang="ru-RU"/>
           </a:p>
@@ -1765,7 +1765,7 @@
             <a:fld id="{915DFC5A-0BA3-48DF-8776-7D62A734E1D0}" type="datetimeFigureOut">
               <a:rPr lang="ru-RU" smtClean="0"/>
               <a:pPr/>
-              <a:t>06.02.2026</a:t>
+              <a:t>08.02.2026</a:t>
             </a:fld>
             <a:endParaRPr lang="ru-RU"/>
           </a:p>
@@ -1880,7 +1880,7 @@
             <a:fld id="{915DFC5A-0BA3-48DF-8776-7D62A734E1D0}" type="datetimeFigureOut">
               <a:rPr lang="ru-RU" smtClean="0"/>
               <a:pPr/>
-              <a:t>06.02.2026</a:t>
+              <a:t>08.02.2026</a:t>
             </a:fld>
             <a:endParaRPr lang="ru-RU"/>
           </a:p>
@@ -1972,7 +1972,7 @@
             <a:fld id="{915DFC5A-0BA3-48DF-8776-7D62A734E1D0}" type="datetimeFigureOut">
               <a:rPr lang="ru-RU" smtClean="0"/>
               <a:pPr/>
-              <a:t>06.02.2026</a:t>
+              <a:t>08.02.2026</a:t>
             </a:fld>
             <a:endParaRPr lang="ru-RU"/>
           </a:p>
@@ -2246,7 +2246,7 @@
             <a:fld id="{915DFC5A-0BA3-48DF-8776-7D62A734E1D0}" type="datetimeFigureOut">
               <a:rPr lang="ru-RU" smtClean="0"/>
               <a:pPr/>
-              <a:t>06.02.2026</a:t>
+              <a:t>08.02.2026</a:t>
             </a:fld>
             <a:endParaRPr lang="ru-RU"/>
           </a:p>
@@ -2496,7 +2496,7 @@
             <a:fld id="{915DFC5A-0BA3-48DF-8776-7D62A734E1D0}" type="datetimeFigureOut">
               <a:rPr lang="ru-RU" smtClean="0"/>
               <a:pPr/>
-              <a:t>06.02.2026</a:t>
+              <a:t>08.02.2026</a:t>
             </a:fld>
             <a:endParaRPr lang="ru-RU"/>
           </a:p>
@@ -2706,7 +2706,7 @@
             <a:fld id="{915DFC5A-0BA3-48DF-8776-7D62A734E1D0}" type="datetimeFigureOut">
               <a:rPr lang="ru-RU" smtClean="0"/>
               <a:pPr/>
-              <a:t>06.02.2026</a:t>
+              <a:t>08.02.2026</a:t>
             </a:fld>
             <a:endParaRPr lang="ru-RU"/>
           </a:p>
@@ -6812,7 +6812,7 @@
         <p:spPr>
           <a:xfrm>
             <a:off x="428596" y="1285860"/>
-            <a:ext cx="6858048" cy="5339923"/>
+            <a:ext cx="8358246" cy="5586145"/>
           </a:xfrm>
           <a:prstGeom prst="rect">
             <a:avLst/>
@@ -6948,13 +6948,39 @@
           <a:p>
             <a:r>
               <a:rPr lang="en-US" sz="1600" dirty="0" err="1" smtClean="0"/>
+              <a:t>result.plot</a:t>
+            </a:r>
+            <a:r>
+              <a:rPr lang="en-US" sz="1600" dirty="0" smtClean="0"/>
+              <a:t>() – </a:t>
+            </a:r>
+            <a:r>
+              <a:rPr lang="ru-RU" sz="1600" dirty="0" smtClean="0"/>
+              <a:t>позволяет сохранить изображение в переменную в формате </a:t>
+            </a:r>
+            <a:r>
+              <a:rPr lang="en-US" sz="1600" dirty="0" err="1" smtClean="0"/>
+              <a:t>numpy</a:t>
+            </a:r>
+            <a:r>
+              <a:rPr lang="en-US" sz="1600" dirty="0" smtClean="0"/>
+              <a:t> </a:t>
+            </a:r>
+            <a:r>
+              <a:rPr lang="ru-RU" sz="1600" dirty="0" smtClean="0"/>
+              <a:t>массив </a:t>
+            </a:r>
+            <a:endParaRPr lang="ru-RU" sz="1600" dirty="0" smtClean="0"/>
+          </a:p>
+          <a:p>
+            <a:r>
+              <a:rPr lang="en-US" sz="1600" dirty="0" err="1" smtClean="0"/>
               <a:t>result.names</a:t>
             </a:r>
             <a:r>
               <a:rPr lang="ru-RU" sz="1600" dirty="0" smtClean="0"/>
               <a:t> – список имен всех классов</a:t>
             </a:r>
-            <a:endParaRPr lang="ru-RU" sz="1600" dirty="0" smtClean="0"/>
           </a:p>
           <a:p>
             <a:r>

--- a/Инструкция по созданию своей нейросети.pptx
+++ b/Инструкция по созданию своей нейросети.pptx
@@ -307,7 +307,7 @@
             <a:fld id="{915DFC5A-0BA3-48DF-8776-7D62A734E1D0}" type="datetimeFigureOut">
               <a:rPr lang="ru-RU" smtClean="0"/>
               <a:pPr/>
-              <a:t>08.02.2026</a:t>
+              <a:t>13.02.2026</a:t>
             </a:fld>
             <a:endParaRPr lang="ru-RU"/>
           </a:p>
@@ -474,7 +474,7 @@
             <a:fld id="{915DFC5A-0BA3-48DF-8776-7D62A734E1D0}" type="datetimeFigureOut">
               <a:rPr lang="ru-RU" smtClean="0"/>
               <a:pPr/>
-              <a:t>08.02.2026</a:t>
+              <a:t>13.02.2026</a:t>
             </a:fld>
             <a:endParaRPr lang="ru-RU"/>
           </a:p>
@@ -651,7 +651,7 @@
             <a:fld id="{915DFC5A-0BA3-48DF-8776-7D62A734E1D0}" type="datetimeFigureOut">
               <a:rPr lang="ru-RU" smtClean="0"/>
               <a:pPr/>
-              <a:t>08.02.2026</a:t>
+              <a:t>13.02.2026</a:t>
             </a:fld>
             <a:endParaRPr lang="ru-RU"/>
           </a:p>
@@ -818,7 +818,7 @@
             <a:fld id="{915DFC5A-0BA3-48DF-8776-7D62A734E1D0}" type="datetimeFigureOut">
               <a:rPr lang="ru-RU" smtClean="0"/>
               <a:pPr/>
-              <a:t>08.02.2026</a:t>
+              <a:t>13.02.2026</a:t>
             </a:fld>
             <a:endParaRPr lang="ru-RU"/>
           </a:p>
@@ -1061,7 +1061,7 @@
             <a:fld id="{915DFC5A-0BA3-48DF-8776-7D62A734E1D0}" type="datetimeFigureOut">
               <a:rPr lang="ru-RU" smtClean="0"/>
               <a:pPr/>
-              <a:t>08.02.2026</a:t>
+              <a:t>13.02.2026</a:t>
             </a:fld>
             <a:endParaRPr lang="ru-RU"/>
           </a:p>
@@ -1346,7 +1346,7 @@
             <a:fld id="{915DFC5A-0BA3-48DF-8776-7D62A734E1D0}" type="datetimeFigureOut">
               <a:rPr lang="ru-RU" smtClean="0"/>
               <a:pPr/>
-              <a:t>08.02.2026</a:t>
+              <a:t>13.02.2026</a:t>
             </a:fld>
             <a:endParaRPr lang="ru-RU"/>
           </a:p>
@@ -1765,7 +1765,7 @@
             <a:fld id="{915DFC5A-0BA3-48DF-8776-7D62A734E1D0}" type="datetimeFigureOut">
               <a:rPr lang="ru-RU" smtClean="0"/>
               <a:pPr/>
-              <a:t>08.02.2026</a:t>
+              <a:t>13.02.2026</a:t>
             </a:fld>
             <a:endParaRPr lang="ru-RU"/>
           </a:p>
@@ -1880,7 +1880,7 @@
             <a:fld id="{915DFC5A-0BA3-48DF-8776-7D62A734E1D0}" type="datetimeFigureOut">
               <a:rPr lang="ru-RU" smtClean="0"/>
               <a:pPr/>
-              <a:t>08.02.2026</a:t>
+              <a:t>13.02.2026</a:t>
             </a:fld>
             <a:endParaRPr lang="ru-RU"/>
           </a:p>
@@ -1972,7 +1972,7 @@
             <a:fld id="{915DFC5A-0BA3-48DF-8776-7D62A734E1D0}" type="datetimeFigureOut">
               <a:rPr lang="ru-RU" smtClean="0"/>
               <a:pPr/>
-              <a:t>08.02.2026</a:t>
+              <a:t>13.02.2026</a:t>
             </a:fld>
             <a:endParaRPr lang="ru-RU"/>
           </a:p>
@@ -2246,7 +2246,7 @@
             <a:fld id="{915DFC5A-0BA3-48DF-8776-7D62A734E1D0}" type="datetimeFigureOut">
               <a:rPr lang="ru-RU" smtClean="0"/>
               <a:pPr/>
-              <a:t>08.02.2026</a:t>
+              <a:t>13.02.2026</a:t>
             </a:fld>
             <a:endParaRPr lang="ru-RU"/>
           </a:p>
@@ -2496,7 +2496,7 @@
             <a:fld id="{915DFC5A-0BA3-48DF-8776-7D62A734E1D0}" type="datetimeFigureOut">
               <a:rPr lang="ru-RU" smtClean="0"/>
               <a:pPr/>
-              <a:t>08.02.2026</a:t>
+              <a:t>13.02.2026</a:t>
             </a:fld>
             <a:endParaRPr lang="ru-RU"/>
           </a:p>
@@ -2706,7 +2706,7 @@
             <a:fld id="{915DFC5A-0BA3-48DF-8776-7D62A734E1D0}" type="datetimeFigureOut">
               <a:rPr lang="ru-RU" smtClean="0"/>
               <a:pPr/>
-              <a:t>08.02.2026</a:t>
+              <a:t>13.02.2026</a:t>
             </a:fld>
             <a:endParaRPr lang="ru-RU"/>
           </a:p>
@@ -5065,12 +5065,20 @@
           <a:lstStyle/>
           <a:p>
             <a:r>
-              <a:rPr lang="ru-RU" dirty="0" err="1" smtClean="0"/>
-              <a:t>впервую</a:t>
-            </a:r>
-            <a:r>
               <a:rPr lang="ru-RU" dirty="0" smtClean="0"/>
-              <a:t> очередь устанавливаем библиотеку </a:t>
+              <a:t>в</a:t>
+            </a:r>
+            <a:r>
+              <a:rPr lang="en-US" dirty="0" smtClean="0"/>
+              <a:t> </a:t>
+            </a:r>
+            <a:r>
+              <a:rPr lang="ru-RU" dirty="0" smtClean="0"/>
+              <a:t>первую </a:t>
+            </a:r>
+            <a:r>
+              <a:rPr lang="ru-RU" dirty="0" smtClean="0"/>
+              <a:t>очередь устанавливаем библиотеку </a:t>
             </a:r>
             <a:r>
               <a:rPr lang="en-US" dirty="0" err="1" smtClean="0"/>
@@ -5957,6 +5965,62 @@
           </a:p>
         </p:txBody>
       </p:sp>
+      <p:sp>
+        <p:nvSpPr>
+          <p:cNvPr id="9" name="TextBox 8"/>
+          <p:cNvSpPr txBox="1"/>
+          <p:nvPr/>
+        </p:nvSpPr>
+        <p:spPr>
+          <a:xfrm>
+            <a:off x="6357950" y="3000372"/>
+            <a:ext cx="7858180" cy="646331"/>
+          </a:xfrm>
+          <a:prstGeom prst="rect">
+            <a:avLst/>
+          </a:prstGeom>
+          <a:noFill/>
+        </p:spPr>
+        <p:txBody>
+          <a:bodyPr wrap="square" rtlCol="0">
+            <a:spAutoFit/>
+          </a:bodyPr>
+          <a:lstStyle/>
+          <a:p>
+            <a:r>
+              <a:rPr lang="ru-RU" sz="1200" dirty="0" err="1" smtClean="0"/>
+              <a:t>бля</a:t>
+            </a:r>
+            <a:r>
+              <a:rPr lang="ru-RU" sz="1200" dirty="0" smtClean="0"/>
+              <a:t> нужно еще установить </a:t>
+            </a:r>
+            <a:r>
+              <a:rPr lang="en-US" sz="1200" dirty="0" err="1" smtClean="0"/>
+              <a:t>ultralytics</a:t>
+            </a:r>
+            <a:endParaRPr lang="ru-RU" sz="1200" dirty="0" smtClean="0"/>
+          </a:p>
+          <a:p>
+            <a:r>
+              <a:rPr lang="ru-RU" sz="1200" dirty="0" smtClean="0"/>
+              <a:t>!</a:t>
+            </a:r>
+            <a:r>
+              <a:rPr lang="en-US" sz="1200" dirty="0" smtClean="0"/>
+              <a:t>pip install </a:t>
+            </a:r>
+            <a:r>
+              <a:rPr lang="en-US" sz="1200" dirty="0" err="1" smtClean="0"/>
+              <a:t>ultralytics</a:t>
+            </a:r>
+            <a:endParaRPr lang="en-US" sz="1200" dirty="0" smtClean="0"/>
+          </a:p>
+          <a:p>
+            <a:endParaRPr lang="en-US" sz="1200" dirty="0"/>
+          </a:p>
+        </p:txBody>
+      </p:sp>
     </p:spTree>
   </p:cSld>
   <p:clrMapOvr>
@@ -6938,11 +7002,7 @@
             </a:r>
             <a:r>
               <a:rPr lang="ru-RU" sz="1600" dirty="0" smtClean="0"/>
-              <a:t> – сразу откроет файл в редакторе </a:t>
-            </a:r>
-            <a:r>
-              <a:rPr lang="ru-RU" sz="1600" dirty="0" smtClean="0"/>
-              <a:t>изображений</a:t>
+              <a:t> – сразу откроет файл в редакторе изображений</a:t>
             </a:r>
           </a:p>
           <a:p>
@@ -6970,7 +7030,6 @@
               <a:rPr lang="ru-RU" sz="1600" dirty="0" smtClean="0"/>
               <a:t>массив </a:t>
             </a:r>
-            <a:endParaRPr lang="ru-RU" sz="1600" dirty="0" smtClean="0"/>
           </a:p>
           <a:p>
             <a:r>
